--- a/4-The Raspberry Pi Platform and Python Programming for the Raspberry Pi/Week1/1_ Setup.pptx
+++ b/4-The Raspberry Pi Platform and Python Programming for the Raspberry Pi/Week1/1_ Setup.pptx
@@ -1,14 +1,34 @@
 
 <file path=ppt/presentation.xml><?xml version="1.0" encoding="utf-8"?>
-<p:presentation xmlns:a="http://schemas.openxmlformats.org/drawingml/2006/main" xmlns:r="http://schemas.openxmlformats.org/officeDocument/2006/relationships" xmlns:p="http://schemas.openxmlformats.org/presentationml/2006/main" saveSubsetFonts="1">
+<p:presentation xmlns:a="http://schemas.openxmlformats.org/drawingml/2006/main" xmlns:r="http://schemas.openxmlformats.org/officeDocument/2006/relationships" xmlns:p="http://schemas.openxmlformats.org/presentationml/2006/main" showSpecialPlsOnTitleSld="0" saveSubsetFonts="1">
   <p:sldMasterIdLst>
     <p:sldMasterId id="2147483648" r:id="rId1"/>
   </p:sldMasterIdLst>
+  <p:notesMasterIdLst>
+    <p:notesMasterId r:id="rId23"/>
+  </p:notesMasterIdLst>
   <p:sldIdLst>
     <p:sldId id="256" r:id="rId2"/>
     <p:sldId id="257" r:id="rId3"/>
     <p:sldId id="258" r:id="rId4"/>
     <p:sldId id="259" r:id="rId5"/>
+    <p:sldId id="260" r:id="rId6"/>
+    <p:sldId id="261" r:id="rId7"/>
+    <p:sldId id="262" r:id="rId8"/>
+    <p:sldId id="263" r:id="rId9"/>
+    <p:sldId id="264" r:id="rId10"/>
+    <p:sldId id="269" r:id="rId11"/>
+    <p:sldId id="265" r:id="rId12"/>
+    <p:sldId id="266" r:id="rId13"/>
+    <p:sldId id="268" r:id="rId14"/>
+    <p:sldId id="270" r:id="rId15"/>
+    <p:sldId id="267" r:id="rId16"/>
+    <p:sldId id="271" r:id="rId17"/>
+    <p:sldId id="272" r:id="rId18"/>
+    <p:sldId id="273" r:id="rId19"/>
+    <p:sldId id="275" r:id="rId20"/>
+    <p:sldId id="276" r:id="rId21"/>
+    <p:sldId id="274" r:id="rId22"/>
   </p:sldIdLst>
   <p:sldSz cx="12192000" cy="6858000"/>
   <p:notesSz cx="6858000" cy="9144000"/>
@@ -115,6 +135,355 @@
 </p:presentation>
 </file>
 
+<file path=ppt/notesMasters/notesMaster1.xml><?xml version="1.0" encoding="utf-8"?>
+<p:notesMaster xmlns:a="http://schemas.openxmlformats.org/drawingml/2006/main" xmlns:r="http://schemas.openxmlformats.org/officeDocument/2006/relationships" xmlns:p="http://schemas.openxmlformats.org/presentationml/2006/main">
+  <p:cSld>
+    <p:bg>
+      <p:bgRef idx="1001">
+        <a:schemeClr val="bg1"/>
+      </p:bgRef>
+    </p:bg>
+    <p:spTree>
+      <p:nvGrpSpPr>
+        <p:cNvPr id="1" name=""/>
+        <p:cNvGrpSpPr/>
+        <p:nvPr/>
+      </p:nvGrpSpPr>
+      <p:grpSpPr>
+        <a:xfrm>
+          <a:off x="0" y="0"/>
+          <a:ext cx="0" cy="0"/>
+          <a:chOff x="0" y="0"/>
+          <a:chExt cx="0" cy="0"/>
+        </a:xfrm>
+      </p:grpSpPr>
+      <p:sp>
+        <p:nvSpPr>
+          <p:cNvPr id="2" name="Header Placeholder 1"/>
+          <p:cNvSpPr>
+            <a:spLocks noGrp="1"/>
+          </p:cNvSpPr>
+          <p:nvPr>
+            <p:ph type="hdr" sz="quarter"/>
+          </p:nvPr>
+        </p:nvSpPr>
+        <p:spPr>
+          <a:xfrm>
+            <a:off x="0" y="0"/>
+            <a:ext cx="2971800" cy="458788"/>
+          </a:xfrm>
+          <a:prstGeom prst="rect">
+            <a:avLst/>
+          </a:prstGeom>
+        </p:spPr>
+        <p:txBody>
+          <a:bodyPr vert="horz" lIns="91440" tIns="45720" rIns="91440" bIns="45720" rtlCol="0"/>
+          <a:lstStyle>
+            <a:lvl1pPr algn="l">
+              <a:defRPr sz="1200"/>
+            </a:lvl1pPr>
+          </a:lstStyle>
+          <a:p>
+            <a:endParaRPr lang="en-US"/>
+          </a:p>
+        </p:txBody>
+      </p:sp>
+      <p:sp>
+        <p:nvSpPr>
+          <p:cNvPr id="3" name="Date Placeholder 2"/>
+          <p:cNvSpPr>
+            <a:spLocks noGrp="1"/>
+          </p:cNvSpPr>
+          <p:nvPr>
+            <p:ph type="dt" idx="1"/>
+          </p:nvPr>
+        </p:nvSpPr>
+        <p:spPr>
+          <a:xfrm>
+            <a:off x="3884613" y="0"/>
+            <a:ext cx="2971800" cy="458788"/>
+          </a:xfrm>
+          <a:prstGeom prst="rect">
+            <a:avLst/>
+          </a:prstGeom>
+        </p:spPr>
+        <p:txBody>
+          <a:bodyPr vert="horz" lIns="91440" tIns="45720" rIns="91440" bIns="45720" rtlCol="0"/>
+          <a:lstStyle>
+            <a:lvl1pPr algn="r">
+              <a:defRPr sz="1200"/>
+            </a:lvl1pPr>
+          </a:lstStyle>
+          <a:p>
+            <a:fld id="{64EEEFF4-FCB2-4B35-8A62-112366FDAB73}" type="datetimeFigureOut">
+              <a:rPr lang="en-US" smtClean="0"/>
+              <a:t>12/12/2020</a:t>
+            </a:fld>
+            <a:endParaRPr lang="en-US"/>
+          </a:p>
+        </p:txBody>
+      </p:sp>
+      <p:sp>
+        <p:nvSpPr>
+          <p:cNvPr id="4" name="Slide Image Placeholder 3"/>
+          <p:cNvSpPr>
+            <a:spLocks noGrp="1" noRot="1" noChangeAspect="1"/>
+          </p:cNvSpPr>
+          <p:nvPr>
+            <p:ph type="sldImg" idx="2"/>
+          </p:nvPr>
+        </p:nvSpPr>
+        <p:spPr>
+          <a:xfrm>
+            <a:off x="685800" y="1143000"/>
+            <a:ext cx="5486400" cy="3086100"/>
+          </a:xfrm>
+          <a:prstGeom prst="rect">
+            <a:avLst/>
+          </a:prstGeom>
+          <a:noFill/>
+          <a:ln w="12700">
+            <a:solidFill>
+              <a:prstClr val="black"/>
+            </a:solidFill>
+          </a:ln>
+        </p:spPr>
+        <p:txBody>
+          <a:bodyPr vert="horz" lIns="91440" tIns="45720" rIns="91440" bIns="45720" rtlCol="0" anchor="ctr"/>
+          <a:lstStyle/>
+          <a:p>
+            <a:endParaRPr lang="en-US"/>
+          </a:p>
+        </p:txBody>
+      </p:sp>
+      <p:sp>
+        <p:nvSpPr>
+          <p:cNvPr id="5" name="Notes Placeholder 4"/>
+          <p:cNvSpPr>
+            <a:spLocks noGrp="1"/>
+          </p:cNvSpPr>
+          <p:nvPr>
+            <p:ph type="body" sz="quarter" idx="3"/>
+          </p:nvPr>
+        </p:nvSpPr>
+        <p:spPr>
+          <a:xfrm>
+            <a:off x="685800" y="4400550"/>
+            <a:ext cx="5486400" cy="3600450"/>
+          </a:xfrm>
+          <a:prstGeom prst="rect">
+            <a:avLst/>
+          </a:prstGeom>
+        </p:spPr>
+        <p:txBody>
+          <a:bodyPr vert="horz" lIns="91440" tIns="45720" rIns="91440" bIns="45720" rtlCol="0"/>
+          <a:lstStyle/>
+          <a:p>
+            <a:pPr lvl="0"/>
+            <a:r>
+              <a:rPr lang="en-US"/>
+              <a:t>Click to edit Master text styles</a:t>
+            </a:r>
+          </a:p>
+          <a:p>
+            <a:pPr lvl="1"/>
+            <a:r>
+              <a:rPr lang="en-US"/>
+              <a:t>Second level</a:t>
+            </a:r>
+          </a:p>
+          <a:p>
+            <a:pPr lvl="2"/>
+            <a:r>
+              <a:rPr lang="en-US"/>
+              <a:t>Third level</a:t>
+            </a:r>
+          </a:p>
+          <a:p>
+            <a:pPr lvl="3"/>
+            <a:r>
+              <a:rPr lang="en-US"/>
+              <a:t>Fourth level</a:t>
+            </a:r>
+          </a:p>
+          <a:p>
+            <a:pPr lvl="4"/>
+            <a:r>
+              <a:rPr lang="en-US"/>
+              <a:t>Fifth level</a:t>
+            </a:r>
+          </a:p>
+        </p:txBody>
+      </p:sp>
+      <p:sp>
+        <p:nvSpPr>
+          <p:cNvPr id="6" name="Footer Placeholder 5"/>
+          <p:cNvSpPr>
+            <a:spLocks noGrp="1"/>
+          </p:cNvSpPr>
+          <p:nvPr>
+            <p:ph type="ftr" sz="quarter" idx="4"/>
+          </p:nvPr>
+        </p:nvSpPr>
+        <p:spPr>
+          <a:xfrm>
+            <a:off x="0" y="8685213"/>
+            <a:ext cx="2971800" cy="458787"/>
+          </a:xfrm>
+          <a:prstGeom prst="rect">
+            <a:avLst/>
+          </a:prstGeom>
+        </p:spPr>
+        <p:txBody>
+          <a:bodyPr vert="horz" lIns="91440" tIns="45720" rIns="91440" bIns="45720" rtlCol="0" anchor="b"/>
+          <a:lstStyle>
+            <a:lvl1pPr algn="l">
+              <a:defRPr sz="1200"/>
+            </a:lvl1pPr>
+          </a:lstStyle>
+          <a:p>
+            <a:endParaRPr lang="en-US"/>
+          </a:p>
+        </p:txBody>
+      </p:sp>
+      <p:sp>
+        <p:nvSpPr>
+          <p:cNvPr id="7" name="Slide Number Placeholder 6"/>
+          <p:cNvSpPr>
+            <a:spLocks noGrp="1"/>
+          </p:cNvSpPr>
+          <p:nvPr>
+            <p:ph type="sldNum" sz="quarter" idx="5"/>
+          </p:nvPr>
+        </p:nvSpPr>
+        <p:spPr>
+          <a:xfrm>
+            <a:off x="3884613" y="8685213"/>
+            <a:ext cx="2971800" cy="458787"/>
+          </a:xfrm>
+          <a:prstGeom prst="rect">
+            <a:avLst/>
+          </a:prstGeom>
+        </p:spPr>
+        <p:txBody>
+          <a:bodyPr vert="horz" lIns="91440" tIns="45720" rIns="91440" bIns="45720" rtlCol="0" anchor="b"/>
+          <a:lstStyle>
+            <a:lvl1pPr algn="r">
+              <a:defRPr sz="1200"/>
+            </a:lvl1pPr>
+          </a:lstStyle>
+          <a:p>
+            <a:fld id="{29C9AC7A-B2D4-47F4-A7F7-DECC298317B8}" type="slidenum">
+              <a:rPr lang="en-US" smtClean="0"/>
+              <a:t>‹#›</a:t>
+            </a:fld>
+            <a:endParaRPr lang="en-US"/>
+          </a:p>
+        </p:txBody>
+      </p:sp>
+    </p:spTree>
+    <p:extLst>
+      <p:ext uri="{BB962C8B-B14F-4D97-AF65-F5344CB8AC3E}">
+        <p14:creationId xmlns:p14="http://schemas.microsoft.com/office/powerpoint/2010/main" val="1642157803"/>
+      </p:ext>
+    </p:extLst>
+  </p:cSld>
+  <p:clrMap bg1="lt1" tx1="dk1" bg2="lt2" tx2="dk2" accent1="accent1" accent2="accent2" accent3="accent3" accent4="accent4" accent5="accent5" accent6="accent6" hlink="hlink" folHlink="folHlink"/>
+  <p:notesStyle>
+    <a:lvl1pPr marL="0" algn="l" defTabSz="914400" rtl="0" eaLnBrk="1" latinLnBrk="0" hangingPunct="1">
+      <a:defRPr sz="1200" kern="1200">
+        <a:solidFill>
+          <a:schemeClr val="tx1"/>
+        </a:solidFill>
+        <a:latin typeface="+mn-lt"/>
+        <a:ea typeface="+mn-ea"/>
+        <a:cs typeface="+mn-cs"/>
+      </a:defRPr>
+    </a:lvl1pPr>
+    <a:lvl2pPr marL="457200" algn="l" defTabSz="914400" rtl="0" eaLnBrk="1" latinLnBrk="0" hangingPunct="1">
+      <a:defRPr sz="1200" kern="1200">
+        <a:solidFill>
+          <a:schemeClr val="tx1"/>
+        </a:solidFill>
+        <a:latin typeface="+mn-lt"/>
+        <a:ea typeface="+mn-ea"/>
+        <a:cs typeface="+mn-cs"/>
+      </a:defRPr>
+    </a:lvl2pPr>
+    <a:lvl3pPr marL="914400" algn="l" defTabSz="914400" rtl="0" eaLnBrk="1" latinLnBrk="0" hangingPunct="1">
+      <a:defRPr sz="1200" kern="1200">
+        <a:solidFill>
+          <a:schemeClr val="tx1"/>
+        </a:solidFill>
+        <a:latin typeface="+mn-lt"/>
+        <a:ea typeface="+mn-ea"/>
+        <a:cs typeface="+mn-cs"/>
+      </a:defRPr>
+    </a:lvl3pPr>
+    <a:lvl4pPr marL="1371600" algn="l" defTabSz="914400" rtl="0" eaLnBrk="1" latinLnBrk="0" hangingPunct="1">
+      <a:defRPr sz="1200" kern="1200">
+        <a:solidFill>
+          <a:schemeClr val="tx1"/>
+        </a:solidFill>
+        <a:latin typeface="+mn-lt"/>
+        <a:ea typeface="+mn-ea"/>
+        <a:cs typeface="+mn-cs"/>
+      </a:defRPr>
+    </a:lvl4pPr>
+    <a:lvl5pPr marL="1828800" algn="l" defTabSz="914400" rtl="0" eaLnBrk="1" latinLnBrk="0" hangingPunct="1">
+      <a:defRPr sz="1200" kern="1200">
+        <a:solidFill>
+          <a:schemeClr val="tx1"/>
+        </a:solidFill>
+        <a:latin typeface="+mn-lt"/>
+        <a:ea typeface="+mn-ea"/>
+        <a:cs typeface="+mn-cs"/>
+      </a:defRPr>
+    </a:lvl5pPr>
+    <a:lvl6pPr marL="2286000" algn="l" defTabSz="914400" rtl="0" eaLnBrk="1" latinLnBrk="0" hangingPunct="1">
+      <a:defRPr sz="1200" kern="1200">
+        <a:solidFill>
+          <a:schemeClr val="tx1"/>
+        </a:solidFill>
+        <a:latin typeface="+mn-lt"/>
+        <a:ea typeface="+mn-ea"/>
+        <a:cs typeface="+mn-cs"/>
+      </a:defRPr>
+    </a:lvl6pPr>
+    <a:lvl7pPr marL="2743200" algn="l" defTabSz="914400" rtl="0" eaLnBrk="1" latinLnBrk="0" hangingPunct="1">
+      <a:defRPr sz="1200" kern="1200">
+        <a:solidFill>
+          <a:schemeClr val="tx1"/>
+        </a:solidFill>
+        <a:latin typeface="+mn-lt"/>
+        <a:ea typeface="+mn-ea"/>
+        <a:cs typeface="+mn-cs"/>
+      </a:defRPr>
+    </a:lvl7pPr>
+    <a:lvl8pPr marL="3200400" algn="l" defTabSz="914400" rtl="0" eaLnBrk="1" latinLnBrk="0" hangingPunct="1">
+      <a:defRPr sz="1200" kern="1200">
+        <a:solidFill>
+          <a:schemeClr val="tx1"/>
+        </a:solidFill>
+        <a:latin typeface="+mn-lt"/>
+        <a:ea typeface="+mn-ea"/>
+        <a:cs typeface="+mn-cs"/>
+      </a:defRPr>
+    </a:lvl8pPr>
+    <a:lvl9pPr marL="3657600" algn="l" defTabSz="914400" rtl="0" eaLnBrk="1" latinLnBrk="0" hangingPunct="1">
+      <a:defRPr sz="1200" kern="1200">
+        <a:solidFill>
+          <a:schemeClr val="tx1"/>
+        </a:solidFill>
+        <a:latin typeface="+mn-lt"/>
+        <a:ea typeface="+mn-ea"/>
+        <a:cs typeface="+mn-cs"/>
+      </a:defRPr>
+    </a:lvl9pPr>
+  </p:notesStyle>
+</p:notesMaster>
+</file>
+
 <file path=ppt/slideLayouts/slideLayout1.xml><?xml version="1.0" encoding="utf-8"?>
 <p:sldLayout xmlns:a="http://schemas.openxmlformats.org/drawingml/2006/main" xmlns:r="http://schemas.openxmlformats.org/officeDocument/2006/relationships" xmlns:p="http://schemas.openxmlformats.org/presentationml/2006/main" type="title" preserve="1">
   <p:cSld name="Title Slide">
@@ -260,7 +629,7 @@
           <a:bodyPr/>
           <a:lstStyle/>
           <a:p>
-            <a:fld id="{47DCA48D-2B28-4720-8A4A-9D9A38AD829A}" type="datetimeFigureOut">
+            <a:fld id="{99E46098-4F02-4E9A-8CC3-2D9BC89E233D}" type="datetime1">
               <a:rPr lang="en-US" smtClean="0"/>
               <a:t>12/12/2020</a:t>
             </a:fld>
@@ -458,7 +827,7 @@
           <a:bodyPr/>
           <a:lstStyle/>
           <a:p>
-            <a:fld id="{47DCA48D-2B28-4720-8A4A-9D9A38AD829A}" type="datetimeFigureOut">
+            <a:fld id="{66160625-B962-4BE2-ACD3-ED798001CA8D}" type="datetime1">
               <a:rPr lang="en-US" smtClean="0"/>
               <a:t>12/12/2020</a:t>
             </a:fld>
@@ -666,7 +1035,7 @@
           <a:bodyPr/>
           <a:lstStyle/>
           <a:p>
-            <a:fld id="{47DCA48D-2B28-4720-8A4A-9D9A38AD829A}" type="datetimeFigureOut">
+            <a:fld id="{336E061E-9EF8-4D46-A535-4155EB590976}" type="datetime1">
               <a:rPr lang="en-US" smtClean="0"/>
               <a:t>12/12/2020</a:t>
             </a:fld>
@@ -864,7 +1233,7 @@
           <a:bodyPr/>
           <a:lstStyle/>
           <a:p>
-            <a:fld id="{47DCA48D-2B28-4720-8A4A-9D9A38AD829A}" type="datetimeFigureOut">
+            <a:fld id="{CDB6157F-160A-48E7-B33D-7D51E920C7E4}" type="datetime1">
               <a:rPr lang="en-US" smtClean="0"/>
               <a:t>12/12/2020</a:t>
             </a:fld>
@@ -899,10 +1268,10 @@
       </p:sp>
       <p:sp>
         <p:nvSpPr>
-          <p:cNvPr id="6" name="Slide Number Placeholder 5">
-            <a:extLst>
-              <a:ext uri="{FF2B5EF4-FFF2-40B4-BE49-F238E27FC236}">
-                <a16:creationId xmlns:a16="http://schemas.microsoft.com/office/drawing/2014/main" id="{22A9A94C-777E-4EB4-A608-27BE7C6604CA}"/>
+          <p:cNvPr id="7" name="Slide Number Placeholder 4">
+            <a:extLst>
+              <a:ext uri="{FF2B5EF4-FFF2-40B4-BE49-F238E27FC236}">
+                <a16:creationId xmlns:a16="http://schemas.microsoft.com/office/drawing/2014/main" id="{326AC09D-3984-4D8B-87B1-B87C711FDB37}"/>
               </a:ext>
             </a:extLst>
           </p:cNvPr>
@@ -913,16 +1282,32 @@
             <p:ph type="sldNum" sz="quarter" idx="12"/>
           </p:nvPr>
         </p:nvSpPr>
-        <p:spPr/>
-        <p:txBody>
-          <a:bodyPr/>
-          <a:lstStyle/>
+        <p:spPr>
+          <a:xfrm>
+            <a:off x="8610600" y="6356350"/>
+            <a:ext cx="2743200" cy="365125"/>
+          </a:xfrm>
+        </p:spPr>
+        <p:txBody>
+          <a:bodyPr/>
+          <a:lstStyle>
+            <a:lvl1pPr>
+              <a:defRPr sz="1800" b="1">
+                <a:latin typeface="Times New Roman" panose="02020603050405020304" pitchFamily="18" charset="0"/>
+                <a:cs typeface="Times New Roman" panose="02020603050405020304" pitchFamily="18" charset="0"/>
+              </a:defRPr>
+            </a:lvl1pPr>
+          </a:lstStyle>
           <a:p>
             <a:fld id="{5316306D-225D-467A-91F3-5242B413A4AD}" type="slidenum">
               <a:rPr lang="en-US" smtClean="0"/>
+              <a:pPr/>
               <a:t>‹#›</a:t>
             </a:fld>
-            <a:endParaRPr lang="en-US"/>
+            <a:endParaRPr lang="en-US" dirty="0">
+              <a:latin typeface="Times New Roman" panose="02020603050405020304" pitchFamily="18" charset="0"/>
+              <a:cs typeface="Times New Roman" panose="02020603050405020304" pitchFamily="18" charset="0"/>
+            </a:endParaRPr>
           </a:p>
         </p:txBody>
       </p:sp>
@@ -1139,7 +1524,7 @@
           <a:bodyPr/>
           <a:lstStyle/>
           <a:p>
-            <a:fld id="{47DCA48D-2B28-4720-8A4A-9D9A38AD829A}" type="datetimeFigureOut">
+            <a:fld id="{0C42231D-3568-4058-8F21-DC778CEBE9FF}" type="datetime1">
               <a:rPr lang="en-US" smtClean="0"/>
               <a:t>12/12/2020</a:t>
             </a:fld>
@@ -1404,7 +1789,7 @@
           <a:bodyPr/>
           <a:lstStyle/>
           <a:p>
-            <a:fld id="{47DCA48D-2B28-4720-8A4A-9D9A38AD829A}" type="datetimeFigureOut">
+            <a:fld id="{0CEC07A3-BE54-46ED-B8AB-28E990D6A4FD}" type="datetime1">
               <a:rPr lang="en-US" smtClean="0"/>
               <a:t>12/12/2020</a:t>
             </a:fld>
@@ -1816,7 +2201,7 @@
           <a:bodyPr/>
           <a:lstStyle/>
           <a:p>
-            <a:fld id="{47DCA48D-2B28-4720-8A4A-9D9A38AD829A}" type="datetimeFigureOut">
+            <a:fld id="{ABE92364-606B-4909-89F5-538CE9509774}" type="datetime1">
               <a:rPr lang="en-US" smtClean="0"/>
               <a:t>12/12/2020</a:t>
             </a:fld>
@@ -1957,7 +2342,7 @@
           <a:bodyPr/>
           <a:lstStyle/>
           <a:p>
-            <a:fld id="{47DCA48D-2B28-4720-8A4A-9D9A38AD829A}" type="datetimeFigureOut">
+            <a:fld id="{FD8CD9D4-951C-4C4B-ACBF-0F0336A7C953}" type="datetime1">
               <a:rPr lang="en-US" smtClean="0"/>
               <a:t>12/12/2020</a:t>
             </a:fld>
@@ -2009,13 +2394,24 @@
         <p:spPr/>
         <p:txBody>
           <a:bodyPr/>
-          <a:lstStyle/>
+          <a:lstStyle>
+            <a:lvl1pPr>
+              <a:defRPr sz="1800" b="1">
+                <a:latin typeface="Times New Roman" panose="02020603050405020304" pitchFamily="18" charset="0"/>
+                <a:cs typeface="Times New Roman" panose="02020603050405020304" pitchFamily="18" charset="0"/>
+              </a:defRPr>
+            </a:lvl1pPr>
+          </a:lstStyle>
           <a:p>
             <a:fld id="{5316306D-225D-467A-91F3-5242B413A4AD}" type="slidenum">
               <a:rPr lang="en-US" smtClean="0"/>
+              <a:pPr/>
               <a:t>‹#›</a:t>
             </a:fld>
-            <a:endParaRPr lang="en-US"/>
+            <a:endParaRPr lang="en-US" dirty="0">
+              <a:latin typeface="Times New Roman" panose="02020603050405020304" pitchFamily="18" charset="0"/>
+              <a:cs typeface="Times New Roman" panose="02020603050405020304" pitchFamily="18" charset="0"/>
+            </a:endParaRPr>
           </a:p>
         </p:txBody>
       </p:sp>
@@ -2070,7 +2466,7 @@
           <a:bodyPr/>
           <a:lstStyle/>
           <a:p>
-            <a:fld id="{47DCA48D-2B28-4720-8A4A-9D9A38AD829A}" type="datetimeFigureOut">
+            <a:fld id="{EA765226-68FC-42CB-B02B-DC2325FE5881}" type="datetime1">
               <a:rPr lang="en-US" smtClean="0"/>
               <a:t>12/12/2020</a:t>
             </a:fld>
@@ -2381,7 +2777,7 @@
           <a:bodyPr/>
           <a:lstStyle/>
           <a:p>
-            <a:fld id="{47DCA48D-2B28-4720-8A4A-9D9A38AD829A}" type="datetimeFigureOut">
+            <a:fld id="{4C6568C0-7177-4FCE-AB76-F4BAD45D1BB3}" type="datetime1">
               <a:rPr lang="en-US" smtClean="0"/>
               <a:t>12/12/2020</a:t>
             </a:fld>
@@ -2669,7 +3065,7 @@
           <a:bodyPr/>
           <a:lstStyle/>
           <a:p>
-            <a:fld id="{47DCA48D-2B28-4720-8A4A-9D9A38AD829A}" type="datetimeFigureOut">
+            <a:fld id="{5CE1C34D-CB27-4C91-AC4D-C82B1740C93A}" type="datetime1">
               <a:rPr lang="en-US" smtClean="0"/>
               <a:t>12/12/2020</a:t>
             </a:fld>
@@ -2910,7 +3306,7 @@
             </a:lvl1pPr>
           </a:lstStyle>
           <a:p>
-            <a:fld id="{47DCA48D-2B28-4720-8A4A-9D9A38AD829A}" type="datetimeFigureOut">
+            <a:fld id="{3184D8EE-FCD1-43EC-9B6F-5EEE263D533F}" type="datetime1">
               <a:rPr lang="en-US" smtClean="0"/>
               <a:t>12/12/2020</a:t>
             </a:fld>
@@ -3029,6 +3425,7 @@
     <p:sldLayoutId id="2147483658" r:id="rId10"/>
     <p:sldLayoutId id="2147483659" r:id="rId11"/>
   </p:sldLayoutIdLst>
+  <p:hf hdr="0" ftr="0" dt="0"/>
   <p:txStyles>
     <p:titleStyle>
       <a:lvl1pPr algn="l" defTabSz="914400" rtl="0" eaLnBrk="1" latinLnBrk="0" hangingPunct="1">
@@ -3347,11 +3744,26 @@
         </p:nvSpPr>
         <p:spPr/>
         <p:txBody>
-          <a:bodyPr/>
-          <a:lstStyle/>
-          <a:p>
-            <a:r>
-              <a:rPr lang="en-US" b="0" i="0" dirty="0">
+          <a:bodyPr>
+            <a:normAutofit/>
+          </a:bodyPr>
+          <a:lstStyle/>
+          <a:p>
+            <a:r>
+              <a:rPr lang="en-US" dirty="0">
+                <a:latin typeface="Times New Roman" panose="02020603050405020304" pitchFamily="18" charset="0"/>
+                <a:cs typeface="Times New Roman" panose="02020603050405020304" pitchFamily="18" charset="0"/>
+              </a:rPr>
+              <a:t>Raspberry Pi Learning </a:t>
+            </a:r>
+            <a:br>
+              <a:rPr lang="en-US" dirty="0">
+                <a:latin typeface="Times New Roman" panose="02020603050405020304" pitchFamily="18" charset="0"/>
+                <a:cs typeface="Times New Roman" panose="02020603050405020304" pitchFamily="18" charset="0"/>
+              </a:rPr>
+            </a:br>
+            <a:r>
+              <a:rPr lang="en-US" sz="4800" i="0" dirty="0">
                 <a:effectLst/>
                 <a:latin typeface="Times New Roman" panose="02020603050405020304" pitchFamily="18" charset="0"/>
                 <a:cs typeface="Times New Roman" panose="02020603050405020304" pitchFamily="18" charset="0"/>
@@ -3400,6 +3812,1659 @@
     <p:extLst>
       <p:ext uri="{BB962C8B-B14F-4D97-AF65-F5344CB8AC3E}">
         <p14:creationId xmlns:p14="http://schemas.microsoft.com/office/powerpoint/2010/main" val="4161444249"/>
+      </p:ext>
+    </p:extLst>
+  </p:cSld>
+  <p:clrMapOvr>
+    <a:masterClrMapping/>
+  </p:clrMapOvr>
+</p:sld>
+</file>
+
+<file path=ppt/slides/slide10.xml><?xml version="1.0" encoding="utf-8"?>
+<p:sld xmlns:a="http://schemas.openxmlformats.org/drawingml/2006/main" xmlns:r="http://schemas.openxmlformats.org/officeDocument/2006/relationships" xmlns:p="http://schemas.openxmlformats.org/presentationml/2006/main">
+  <p:cSld>
+    <p:spTree>
+      <p:nvGrpSpPr>
+        <p:cNvPr id="1" name=""/>
+        <p:cNvGrpSpPr/>
+        <p:nvPr/>
+      </p:nvGrpSpPr>
+      <p:grpSpPr>
+        <a:xfrm>
+          <a:off x="0" y="0"/>
+          <a:ext cx="0" cy="0"/>
+          <a:chOff x="0" y="0"/>
+          <a:chExt cx="0" cy="0"/>
+        </a:xfrm>
+      </p:grpSpPr>
+      <p:sp>
+        <p:nvSpPr>
+          <p:cNvPr id="2" name="Title 1">
+            <a:extLst>
+              <a:ext uri="{FF2B5EF4-FFF2-40B4-BE49-F238E27FC236}">
+                <a16:creationId xmlns:a16="http://schemas.microsoft.com/office/drawing/2014/main" id="{172B4E91-BF8D-4D57-B7AA-1917512DA1F7}"/>
+              </a:ext>
+            </a:extLst>
+          </p:cNvPr>
+          <p:cNvSpPr>
+            <a:spLocks noGrp="1"/>
+          </p:cNvSpPr>
+          <p:nvPr>
+            <p:ph type="title"/>
+          </p:nvPr>
+        </p:nvSpPr>
+        <p:spPr>
+          <a:xfrm>
+            <a:off x="838200" y="2766218"/>
+            <a:ext cx="10515600" cy="1325563"/>
+          </a:xfrm>
+        </p:spPr>
+        <p:txBody>
+          <a:bodyPr/>
+          <a:lstStyle/>
+          <a:p>
+            <a:pPr algn="ctr"/>
+            <a:r>
+              <a:rPr lang="en-US" dirty="0">
+                <a:latin typeface="Times New Roman" panose="02020603050405020304" pitchFamily="18" charset="0"/>
+                <a:cs typeface="Times New Roman" panose="02020603050405020304" pitchFamily="18" charset="0"/>
+              </a:rPr>
+              <a:t>SD Formatter  for Windows</a:t>
+            </a:r>
+            <a:endParaRPr lang="en-US" dirty="0"/>
+          </a:p>
+        </p:txBody>
+      </p:sp>
+      <p:sp>
+        <p:nvSpPr>
+          <p:cNvPr id="4" name="Slide Number Placeholder 3">
+            <a:extLst>
+              <a:ext uri="{FF2B5EF4-FFF2-40B4-BE49-F238E27FC236}">
+                <a16:creationId xmlns:a16="http://schemas.microsoft.com/office/drawing/2014/main" id="{D50EC12D-B26B-4473-B5F3-E73972D6120F}"/>
+              </a:ext>
+            </a:extLst>
+          </p:cNvPr>
+          <p:cNvSpPr>
+            <a:spLocks noGrp="1"/>
+          </p:cNvSpPr>
+          <p:nvPr>
+            <p:ph type="sldNum" sz="quarter" idx="12"/>
+          </p:nvPr>
+        </p:nvSpPr>
+        <p:spPr/>
+        <p:txBody>
+          <a:bodyPr/>
+          <a:lstStyle/>
+          <a:p>
+            <a:fld id="{5316306D-225D-467A-91F3-5242B413A4AD}" type="slidenum">
+              <a:rPr lang="en-US" smtClean="0"/>
+              <a:pPr/>
+              <a:t>10</a:t>
+            </a:fld>
+            <a:endParaRPr lang="en-US" dirty="0">
+              <a:latin typeface="Times New Roman" panose="02020603050405020304" pitchFamily="18" charset="0"/>
+              <a:cs typeface="Times New Roman" panose="02020603050405020304" pitchFamily="18" charset="0"/>
+            </a:endParaRPr>
+          </a:p>
+        </p:txBody>
+      </p:sp>
+    </p:spTree>
+    <p:extLst>
+      <p:ext uri="{BB962C8B-B14F-4D97-AF65-F5344CB8AC3E}">
+        <p14:creationId xmlns:p14="http://schemas.microsoft.com/office/powerpoint/2010/main" val="3921230602"/>
+      </p:ext>
+    </p:extLst>
+  </p:cSld>
+  <p:clrMapOvr>
+    <a:masterClrMapping/>
+  </p:clrMapOvr>
+</p:sld>
+</file>
+
+<file path=ppt/slides/slide11.xml><?xml version="1.0" encoding="utf-8"?>
+<p:sld xmlns:a="http://schemas.openxmlformats.org/drawingml/2006/main" xmlns:r="http://schemas.openxmlformats.org/officeDocument/2006/relationships" xmlns:p="http://schemas.openxmlformats.org/presentationml/2006/main">
+  <p:cSld>
+    <p:spTree>
+      <p:nvGrpSpPr>
+        <p:cNvPr id="1" name=""/>
+        <p:cNvGrpSpPr/>
+        <p:nvPr/>
+      </p:nvGrpSpPr>
+      <p:grpSpPr>
+        <a:xfrm>
+          <a:off x="0" y="0"/>
+          <a:ext cx="0" cy="0"/>
+          <a:chOff x="0" y="0"/>
+          <a:chExt cx="0" cy="0"/>
+        </a:xfrm>
+      </p:grpSpPr>
+      <p:sp>
+        <p:nvSpPr>
+          <p:cNvPr id="2" name="Title 1">
+            <a:extLst>
+              <a:ext uri="{FF2B5EF4-FFF2-40B4-BE49-F238E27FC236}">
+                <a16:creationId xmlns:a16="http://schemas.microsoft.com/office/drawing/2014/main" id="{10CA121A-8704-4A7B-89C6-525353CBDB11}"/>
+              </a:ext>
+            </a:extLst>
+          </p:cNvPr>
+          <p:cNvSpPr>
+            <a:spLocks noGrp="1"/>
+          </p:cNvSpPr>
+          <p:nvPr>
+            <p:ph type="title"/>
+          </p:nvPr>
+        </p:nvSpPr>
+        <p:spPr/>
+        <p:txBody>
+          <a:bodyPr/>
+          <a:lstStyle/>
+          <a:p>
+            <a:r>
+              <a:rPr lang="en-US" dirty="0">
+                <a:latin typeface="Times New Roman" panose="02020603050405020304" pitchFamily="18" charset="0"/>
+                <a:cs typeface="Times New Roman" panose="02020603050405020304" pitchFamily="18" charset="0"/>
+              </a:rPr>
+              <a:t>Format the Card</a:t>
+            </a:r>
+          </a:p>
+        </p:txBody>
+      </p:sp>
+      <p:sp>
+        <p:nvSpPr>
+          <p:cNvPr id="3" name="Content Placeholder 2">
+            <a:extLst>
+              <a:ext uri="{FF2B5EF4-FFF2-40B4-BE49-F238E27FC236}">
+                <a16:creationId xmlns:a16="http://schemas.microsoft.com/office/drawing/2014/main" id="{C29CBB85-30F9-4640-B1A4-186AB1E073D6}"/>
+              </a:ext>
+            </a:extLst>
+          </p:cNvPr>
+          <p:cNvSpPr>
+            <a:spLocks noGrp="1"/>
+          </p:cNvSpPr>
+          <p:nvPr>
+            <p:ph idx="1"/>
+          </p:nvPr>
+        </p:nvSpPr>
+        <p:spPr/>
+        <p:txBody>
+          <a:bodyPr/>
+          <a:lstStyle/>
+          <a:p>
+            <a:pPr algn="just"/>
+            <a:r>
+              <a:rPr lang="en-US" b="1" dirty="0">
+                <a:latin typeface="Times New Roman" panose="02020603050405020304" pitchFamily="18" charset="0"/>
+                <a:cs typeface="Times New Roman" panose="02020603050405020304" pitchFamily="18" charset="0"/>
+              </a:rPr>
+              <a:t>Download</a:t>
+            </a:r>
+            <a:r>
+              <a:rPr lang="en-US" dirty="0">
+                <a:latin typeface="Times New Roman" panose="02020603050405020304" pitchFamily="18" charset="0"/>
+                <a:cs typeface="Times New Roman" panose="02020603050405020304" pitchFamily="18" charset="0"/>
+              </a:rPr>
+              <a:t> </a:t>
+            </a:r>
+            <a:r>
+              <a:rPr lang="en-US" dirty="0" err="1">
+                <a:latin typeface="Times New Roman" panose="02020603050405020304" pitchFamily="18" charset="0"/>
+                <a:cs typeface="Times New Roman" panose="02020603050405020304" pitchFamily="18" charset="0"/>
+              </a:rPr>
+              <a:t>SDFormatter</a:t>
+            </a:r>
+            <a:r>
+              <a:rPr lang="en-US" dirty="0">
+                <a:latin typeface="Times New Roman" panose="02020603050405020304" pitchFamily="18" charset="0"/>
+                <a:cs typeface="Times New Roman" panose="02020603050405020304" pitchFamily="18" charset="0"/>
+              </a:rPr>
+              <a:t> for Windows. </a:t>
+            </a:r>
+            <a:r>
+              <a:rPr lang="en-US" b="1" dirty="0">
+                <a:latin typeface="Times New Roman" panose="02020603050405020304" pitchFamily="18" charset="0"/>
+                <a:cs typeface="Times New Roman" panose="02020603050405020304" pitchFamily="18" charset="0"/>
+              </a:rPr>
+              <a:t>Unzip</a:t>
+            </a:r>
+            <a:r>
+              <a:rPr lang="en-US" dirty="0">
+                <a:latin typeface="Times New Roman" panose="02020603050405020304" pitchFamily="18" charset="0"/>
+                <a:cs typeface="Times New Roman" panose="02020603050405020304" pitchFamily="18" charset="0"/>
+              </a:rPr>
+              <a:t> it, and </a:t>
+            </a:r>
+            <a:r>
+              <a:rPr lang="en-US" b="1" dirty="0">
+                <a:latin typeface="Times New Roman" panose="02020603050405020304" pitchFamily="18" charset="0"/>
+                <a:cs typeface="Times New Roman" panose="02020603050405020304" pitchFamily="18" charset="0"/>
+              </a:rPr>
+              <a:t>run Setup</a:t>
+            </a:r>
+            <a:r>
+              <a:rPr lang="en-US" dirty="0">
+                <a:latin typeface="Times New Roman" panose="02020603050405020304" pitchFamily="18" charset="0"/>
+                <a:cs typeface="Times New Roman" panose="02020603050405020304" pitchFamily="18" charset="0"/>
+              </a:rPr>
+              <a:t>.exe. Follow along with the InstallShield Wizard to install </a:t>
+            </a:r>
+            <a:r>
+              <a:rPr lang="en-US" dirty="0" err="1">
+                <a:latin typeface="Times New Roman" panose="02020603050405020304" pitchFamily="18" charset="0"/>
+                <a:cs typeface="Times New Roman" panose="02020603050405020304" pitchFamily="18" charset="0"/>
+              </a:rPr>
+              <a:t>SDFormatter</a:t>
+            </a:r>
+            <a:r>
+              <a:rPr lang="en-US" dirty="0">
+                <a:latin typeface="Times New Roman" panose="02020603050405020304" pitchFamily="18" charset="0"/>
+                <a:cs typeface="Times New Roman" panose="02020603050405020304" pitchFamily="18" charset="0"/>
+              </a:rPr>
+              <a:t>.</a:t>
+            </a:r>
+          </a:p>
+          <a:p>
+            <a:pPr algn="just"/>
+            <a:r>
+              <a:rPr lang="en-US" dirty="0">
+                <a:latin typeface="Times New Roman" panose="02020603050405020304" pitchFamily="18" charset="0"/>
+                <a:cs typeface="Times New Roman" panose="02020603050405020304" pitchFamily="18" charset="0"/>
+              </a:rPr>
+              <a:t>Open </a:t>
+            </a:r>
+            <a:r>
+              <a:rPr lang="en-US" dirty="0" err="1">
+                <a:latin typeface="Times New Roman" panose="02020603050405020304" pitchFamily="18" charset="0"/>
+                <a:cs typeface="Times New Roman" panose="02020603050405020304" pitchFamily="18" charset="0"/>
+              </a:rPr>
+              <a:t>SDFormatter</a:t>
+            </a:r>
+            <a:r>
+              <a:rPr lang="en-US" dirty="0">
+                <a:latin typeface="Times New Roman" panose="02020603050405020304" pitchFamily="18" charset="0"/>
+                <a:cs typeface="Times New Roman" panose="02020603050405020304" pitchFamily="18" charset="0"/>
+              </a:rPr>
+              <a:t>.</a:t>
+            </a:r>
+          </a:p>
+          <a:p>
+            <a:pPr algn="just"/>
+            <a:r>
+              <a:rPr lang="en-US" dirty="0">
+                <a:latin typeface="Times New Roman" panose="02020603050405020304" pitchFamily="18" charset="0"/>
+                <a:cs typeface="Times New Roman" panose="02020603050405020304" pitchFamily="18" charset="0"/>
+              </a:rPr>
+              <a:t>Click Option and set FORMAT SIZE ADJUSTMENT to ON.</a:t>
+            </a:r>
+          </a:p>
+          <a:p>
+            <a:pPr algn="just"/>
+            <a:endParaRPr lang="en-US" dirty="0">
+              <a:latin typeface="Times New Roman" panose="02020603050405020304" pitchFamily="18" charset="0"/>
+              <a:cs typeface="Times New Roman" panose="02020603050405020304" pitchFamily="18" charset="0"/>
+            </a:endParaRPr>
+          </a:p>
+          <a:p>
+            <a:pPr algn="just"/>
+            <a:endParaRPr lang="en-US" dirty="0">
+              <a:latin typeface="Times New Roman" panose="02020603050405020304" pitchFamily="18" charset="0"/>
+              <a:cs typeface="Times New Roman" panose="02020603050405020304" pitchFamily="18" charset="0"/>
+            </a:endParaRPr>
+          </a:p>
+          <a:p>
+            <a:pPr algn="just"/>
+            <a:endParaRPr lang="en-US" dirty="0">
+              <a:latin typeface="Times New Roman" panose="02020603050405020304" pitchFamily="18" charset="0"/>
+              <a:cs typeface="Times New Roman" panose="02020603050405020304" pitchFamily="18" charset="0"/>
+            </a:endParaRPr>
+          </a:p>
+          <a:p>
+            <a:pPr algn="just"/>
+            <a:r>
+              <a:rPr lang="en-US" dirty="0">
+                <a:latin typeface="Times New Roman" panose="02020603050405020304" pitchFamily="18" charset="0"/>
+                <a:cs typeface="Times New Roman" panose="02020603050405020304" pitchFamily="18" charset="0"/>
+                <a:hlinkClick r:id="rId2"/>
+              </a:rPr>
+              <a:t>https://www.sdcard.org/downloads/formatter/eula_windows/</a:t>
+            </a:r>
+            <a:r>
+              <a:rPr lang="en-US" dirty="0">
+                <a:latin typeface="Times New Roman" panose="02020603050405020304" pitchFamily="18" charset="0"/>
+                <a:cs typeface="Times New Roman" panose="02020603050405020304" pitchFamily="18" charset="0"/>
+              </a:rPr>
+              <a:t> </a:t>
+            </a:r>
+          </a:p>
+        </p:txBody>
+      </p:sp>
+      <p:sp>
+        <p:nvSpPr>
+          <p:cNvPr id="4" name="Slide Number Placeholder 3">
+            <a:extLst>
+              <a:ext uri="{FF2B5EF4-FFF2-40B4-BE49-F238E27FC236}">
+                <a16:creationId xmlns:a16="http://schemas.microsoft.com/office/drawing/2014/main" id="{109E5762-A25D-4332-9EC8-48FB469E32D2}"/>
+              </a:ext>
+            </a:extLst>
+          </p:cNvPr>
+          <p:cNvSpPr>
+            <a:spLocks noGrp="1"/>
+          </p:cNvSpPr>
+          <p:nvPr>
+            <p:ph type="sldNum" sz="quarter" idx="12"/>
+          </p:nvPr>
+        </p:nvSpPr>
+        <p:spPr/>
+        <p:txBody>
+          <a:bodyPr/>
+          <a:lstStyle/>
+          <a:p>
+            <a:fld id="{5316306D-225D-467A-91F3-5242B413A4AD}" type="slidenum">
+              <a:rPr lang="en-US" smtClean="0"/>
+              <a:pPr/>
+              <a:t>11</a:t>
+            </a:fld>
+            <a:endParaRPr lang="en-US" dirty="0">
+              <a:latin typeface="Times New Roman" panose="02020603050405020304" pitchFamily="18" charset="0"/>
+              <a:cs typeface="Times New Roman" panose="02020603050405020304" pitchFamily="18" charset="0"/>
+            </a:endParaRPr>
+          </a:p>
+        </p:txBody>
+      </p:sp>
+    </p:spTree>
+    <p:extLst>
+      <p:ext uri="{BB962C8B-B14F-4D97-AF65-F5344CB8AC3E}">
+        <p14:creationId xmlns:p14="http://schemas.microsoft.com/office/powerpoint/2010/main" val="3367192790"/>
+      </p:ext>
+    </p:extLst>
+  </p:cSld>
+  <p:clrMapOvr>
+    <a:masterClrMapping/>
+  </p:clrMapOvr>
+</p:sld>
+</file>
+
+<file path=ppt/slides/slide12.xml><?xml version="1.0" encoding="utf-8"?>
+<p:sld xmlns:a="http://schemas.openxmlformats.org/drawingml/2006/main" xmlns:r="http://schemas.openxmlformats.org/officeDocument/2006/relationships" xmlns:p="http://schemas.openxmlformats.org/presentationml/2006/main">
+  <p:cSld>
+    <p:spTree>
+      <p:nvGrpSpPr>
+        <p:cNvPr id="1" name=""/>
+        <p:cNvGrpSpPr/>
+        <p:nvPr/>
+      </p:nvGrpSpPr>
+      <p:grpSpPr>
+        <a:xfrm>
+          <a:off x="0" y="0"/>
+          <a:ext cx="0" cy="0"/>
+          <a:chOff x="0" y="0"/>
+          <a:chExt cx="0" cy="0"/>
+        </a:xfrm>
+      </p:grpSpPr>
+      <p:pic>
+        <p:nvPicPr>
+          <p:cNvPr id="6" name="Content Placeholder 5">
+            <a:extLst>
+              <a:ext uri="{FF2B5EF4-FFF2-40B4-BE49-F238E27FC236}">
+                <a16:creationId xmlns:a16="http://schemas.microsoft.com/office/drawing/2014/main" id="{915F688F-D955-4105-BB5F-F3D99F4931B6}"/>
+              </a:ext>
+            </a:extLst>
+          </p:cNvPr>
+          <p:cNvPicPr>
+            <a:picLocks noGrp="1" noChangeAspect="1"/>
+          </p:cNvPicPr>
+          <p:nvPr>
+            <p:ph idx="1"/>
+          </p:nvPr>
+        </p:nvPicPr>
+        <p:blipFill>
+          <a:blip r:embed="rId2">
+            <a:extLst>
+              <a:ext uri="{28A0092B-C50C-407E-A947-70E740481C1C}">
+                <a14:useLocalDpi xmlns:a14="http://schemas.microsoft.com/office/drawing/2010/main" val="0"/>
+              </a:ext>
+            </a:extLst>
+          </a:blip>
+          <a:stretch>
+            <a:fillRect/>
+          </a:stretch>
+        </p:blipFill>
+        <p:spPr>
+          <a:xfrm>
+            <a:off x="1316582" y="2353156"/>
+            <a:ext cx="8621372" cy="4003194"/>
+          </a:xfrm>
+        </p:spPr>
+      </p:pic>
+      <p:sp>
+        <p:nvSpPr>
+          <p:cNvPr id="4" name="Slide Number Placeholder 3">
+            <a:extLst>
+              <a:ext uri="{FF2B5EF4-FFF2-40B4-BE49-F238E27FC236}">
+                <a16:creationId xmlns:a16="http://schemas.microsoft.com/office/drawing/2014/main" id="{87A6B72E-5D33-4D1A-8874-B222201C4BCE}"/>
+              </a:ext>
+            </a:extLst>
+          </p:cNvPr>
+          <p:cNvSpPr>
+            <a:spLocks noGrp="1"/>
+          </p:cNvSpPr>
+          <p:nvPr>
+            <p:ph type="sldNum" sz="quarter" idx="12"/>
+          </p:nvPr>
+        </p:nvSpPr>
+        <p:spPr/>
+        <p:txBody>
+          <a:bodyPr/>
+          <a:lstStyle/>
+          <a:p>
+            <a:fld id="{5316306D-225D-467A-91F3-5242B413A4AD}" type="slidenum">
+              <a:rPr lang="en-US" smtClean="0"/>
+              <a:pPr/>
+              <a:t>12</a:t>
+            </a:fld>
+            <a:endParaRPr lang="en-US" dirty="0">
+              <a:latin typeface="Times New Roman" panose="02020603050405020304" pitchFamily="18" charset="0"/>
+              <a:cs typeface="Times New Roman" panose="02020603050405020304" pitchFamily="18" charset="0"/>
+            </a:endParaRPr>
+          </a:p>
+        </p:txBody>
+      </p:sp>
+      <p:sp>
+        <p:nvSpPr>
+          <p:cNvPr id="8" name="TextBox 7">
+            <a:extLst>
+              <a:ext uri="{FF2B5EF4-FFF2-40B4-BE49-F238E27FC236}">
+                <a16:creationId xmlns:a16="http://schemas.microsoft.com/office/drawing/2014/main" id="{E905A9A2-0DB7-44B1-9277-8FDB5347332C}"/>
+              </a:ext>
+            </a:extLst>
+          </p:cNvPr>
+          <p:cNvSpPr txBox="1"/>
+          <p:nvPr/>
+        </p:nvSpPr>
+        <p:spPr>
+          <a:xfrm>
+            <a:off x="402182" y="819835"/>
+            <a:ext cx="9803702" cy="1200329"/>
+          </a:xfrm>
+          <a:prstGeom prst="rect">
+            <a:avLst/>
+          </a:prstGeom>
+          <a:noFill/>
+        </p:spPr>
+        <p:txBody>
+          <a:bodyPr wrap="square">
+            <a:spAutoFit/>
+          </a:bodyPr>
+          <a:lstStyle/>
+          <a:p>
+            <a:pPr marL="342900" indent="-342900" algn="just">
+              <a:buFont typeface="Arial" panose="020B0604020202020204" pitchFamily="34" charset="0"/>
+              <a:buChar char="•"/>
+            </a:pPr>
+            <a:r>
+              <a:rPr lang="en-US" sz="2400" dirty="0">
+                <a:latin typeface="Times New Roman" panose="02020603050405020304" pitchFamily="18" charset="0"/>
+                <a:cs typeface="Times New Roman" panose="02020603050405020304" pitchFamily="18" charset="0"/>
+              </a:rPr>
+              <a:t>Open SD Formatter.</a:t>
+            </a:r>
+          </a:p>
+          <a:p>
+            <a:pPr marL="342900" indent="-342900" algn="just">
+              <a:buFont typeface="Arial" panose="020B0604020202020204" pitchFamily="34" charset="0"/>
+              <a:buChar char="•"/>
+            </a:pPr>
+            <a:endParaRPr lang="en-US" sz="2400" dirty="0">
+              <a:latin typeface="Times New Roman" panose="02020603050405020304" pitchFamily="18" charset="0"/>
+              <a:cs typeface="Times New Roman" panose="02020603050405020304" pitchFamily="18" charset="0"/>
+            </a:endParaRPr>
+          </a:p>
+          <a:p>
+            <a:pPr marL="342900" indent="-342900" algn="just">
+              <a:buFont typeface="Arial" panose="020B0604020202020204" pitchFamily="34" charset="0"/>
+              <a:buChar char="•"/>
+            </a:pPr>
+            <a:r>
+              <a:rPr lang="en-US" sz="2400" dirty="0">
+                <a:latin typeface="Times New Roman" panose="02020603050405020304" pitchFamily="18" charset="0"/>
+                <a:cs typeface="Times New Roman" panose="02020603050405020304" pitchFamily="18" charset="0"/>
+              </a:rPr>
+              <a:t>Click Option and set FORMAT SIZE ADJUSTMENT to ON.</a:t>
+            </a:r>
+          </a:p>
+        </p:txBody>
+      </p:sp>
+    </p:spTree>
+    <p:extLst>
+      <p:ext uri="{BB962C8B-B14F-4D97-AF65-F5344CB8AC3E}">
+        <p14:creationId xmlns:p14="http://schemas.microsoft.com/office/powerpoint/2010/main" val="3049179336"/>
+      </p:ext>
+    </p:extLst>
+  </p:cSld>
+  <p:clrMapOvr>
+    <a:masterClrMapping/>
+  </p:clrMapOvr>
+</p:sld>
+</file>
+
+<file path=ppt/slides/slide13.xml><?xml version="1.0" encoding="utf-8"?>
+<p:sld xmlns:a="http://schemas.openxmlformats.org/drawingml/2006/main" xmlns:r="http://schemas.openxmlformats.org/officeDocument/2006/relationships" xmlns:p="http://schemas.openxmlformats.org/presentationml/2006/main">
+  <p:cSld>
+    <p:spTree>
+      <p:nvGrpSpPr>
+        <p:cNvPr id="1" name=""/>
+        <p:cNvGrpSpPr/>
+        <p:nvPr/>
+      </p:nvGrpSpPr>
+      <p:grpSpPr>
+        <a:xfrm>
+          <a:off x="0" y="0"/>
+          <a:ext cx="0" cy="0"/>
+          <a:chOff x="0" y="0"/>
+          <a:chExt cx="0" cy="0"/>
+        </a:xfrm>
+      </p:grpSpPr>
+      <p:pic>
+        <p:nvPicPr>
+          <p:cNvPr id="6" name="Content Placeholder 5">
+            <a:extLst>
+              <a:ext uri="{FF2B5EF4-FFF2-40B4-BE49-F238E27FC236}">
+                <a16:creationId xmlns:a16="http://schemas.microsoft.com/office/drawing/2014/main" id="{915F688F-D955-4105-BB5F-F3D99F4931B6}"/>
+              </a:ext>
+            </a:extLst>
+          </p:cNvPr>
+          <p:cNvPicPr>
+            <a:picLocks noGrp="1" noChangeAspect="1"/>
+          </p:cNvPicPr>
+          <p:nvPr>
+            <p:ph idx="1"/>
+          </p:nvPr>
+        </p:nvPicPr>
+        <p:blipFill>
+          <a:blip r:embed="rId2">
+            <a:extLst>
+              <a:ext uri="{28A0092B-C50C-407E-A947-70E740481C1C}">
+                <a14:useLocalDpi xmlns:a14="http://schemas.microsoft.com/office/drawing/2010/main" val="0"/>
+              </a:ext>
+            </a:extLst>
+          </a:blip>
+          <a:stretch>
+            <a:fillRect/>
+          </a:stretch>
+        </p:blipFill>
+        <p:spPr>
+          <a:xfrm>
+            <a:off x="1360828" y="2535718"/>
+            <a:ext cx="8621372" cy="4003194"/>
+          </a:xfrm>
+        </p:spPr>
+      </p:pic>
+      <p:sp>
+        <p:nvSpPr>
+          <p:cNvPr id="4" name="Slide Number Placeholder 3">
+            <a:extLst>
+              <a:ext uri="{FF2B5EF4-FFF2-40B4-BE49-F238E27FC236}">
+                <a16:creationId xmlns:a16="http://schemas.microsoft.com/office/drawing/2014/main" id="{87A6B72E-5D33-4D1A-8874-B222201C4BCE}"/>
+              </a:ext>
+            </a:extLst>
+          </p:cNvPr>
+          <p:cNvSpPr>
+            <a:spLocks noGrp="1"/>
+          </p:cNvSpPr>
+          <p:nvPr>
+            <p:ph type="sldNum" sz="quarter" idx="12"/>
+          </p:nvPr>
+        </p:nvSpPr>
+        <p:spPr/>
+        <p:txBody>
+          <a:bodyPr/>
+          <a:lstStyle/>
+          <a:p>
+            <a:fld id="{5316306D-225D-467A-91F3-5242B413A4AD}" type="slidenum">
+              <a:rPr lang="en-US" smtClean="0"/>
+              <a:pPr/>
+              <a:t>13</a:t>
+            </a:fld>
+            <a:endParaRPr lang="en-US" dirty="0">
+              <a:latin typeface="Times New Roman" panose="02020603050405020304" pitchFamily="18" charset="0"/>
+              <a:cs typeface="Times New Roman" panose="02020603050405020304" pitchFamily="18" charset="0"/>
+            </a:endParaRPr>
+          </a:p>
+        </p:txBody>
+      </p:sp>
+      <p:sp>
+        <p:nvSpPr>
+          <p:cNvPr id="8" name="TextBox 7">
+            <a:extLst>
+              <a:ext uri="{FF2B5EF4-FFF2-40B4-BE49-F238E27FC236}">
+                <a16:creationId xmlns:a16="http://schemas.microsoft.com/office/drawing/2014/main" id="{E905A9A2-0DB7-44B1-9277-8FDB5347332C}"/>
+              </a:ext>
+            </a:extLst>
+          </p:cNvPr>
+          <p:cNvSpPr txBox="1"/>
+          <p:nvPr/>
+        </p:nvSpPr>
+        <p:spPr>
+          <a:xfrm>
+            <a:off x="402182" y="501650"/>
+            <a:ext cx="10951618" cy="1938992"/>
+          </a:xfrm>
+          <a:prstGeom prst="rect">
+            <a:avLst/>
+          </a:prstGeom>
+          <a:noFill/>
+        </p:spPr>
+        <p:txBody>
+          <a:bodyPr wrap="square">
+            <a:spAutoFit/>
+          </a:bodyPr>
+          <a:lstStyle/>
+          <a:p>
+            <a:pPr marL="342900" indent="-342900" algn="just">
+              <a:buFont typeface="Arial" panose="020B0604020202020204" pitchFamily="34" charset="0"/>
+              <a:buChar char="•"/>
+            </a:pPr>
+            <a:r>
+              <a:rPr lang="en-US" sz="2400" b="1" dirty="0">
+                <a:latin typeface="Times New Roman" panose="02020603050405020304" pitchFamily="18" charset="0"/>
+                <a:cs typeface="Times New Roman" panose="02020603050405020304" pitchFamily="18" charset="0"/>
+              </a:rPr>
+              <a:t>Select your card </a:t>
+            </a:r>
+            <a:r>
+              <a:rPr lang="en-US" sz="2400" dirty="0">
+                <a:latin typeface="Times New Roman" panose="02020603050405020304" pitchFamily="18" charset="0"/>
+                <a:cs typeface="Times New Roman" panose="02020603050405020304" pitchFamily="18" charset="0"/>
+              </a:rPr>
+              <a:t>from the Drive dropdown menu (if it wasn't selected automatically). Check and double-check that the drive letter is correct.</a:t>
+            </a:r>
+          </a:p>
+          <a:p>
+            <a:pPr marL="342900" indent="-342900" algn="just">
+              <a:buFont typeface="Arial" panose="020B0604020202020204" pitchFamily="34" charset="0"/>
+              <a:buChar char="•"/>
+            </a:pPr>
+            <a:endParaRPr lang="en-US" sz="2400" dirty="0">
+              <a:latin typeface="Times New Roman" panose="02020603050405020304" pitchFamily="18" charset="0"/>
+              <a:cs typeface="Times New Roman" panose="02020603050405020304" pitchFamily="18" charset="0"/>
+            </a:endParaRPr>
+          </a:p>
+          <a:p>
+            <a:pPr marL="342900" indent="-342900" algn="just">
+              <a:buFont typeface="Arial" panose="020B0604020202020204" pitchFamily="34" charset="0"/>
+              <a:buChar char="•"/>
+            </a:pPr>
+            <a:r>
+              <a:rPr lang="en-US" sz="2400" dirty="0">
+                <a:latin typeface="Times New Roman" panose="02020603050405020304" pitchFamily="18" charset="0"/>
+                <a:cs typeface="Times New Roman" panose="02020603050405020304" pitchFamily="18" charset="0"/>
+              </a:rPr>
+              <a:t>Click </a:t>
+            </a:r>
+            <a:r>
+              <a:rPr lang="en-US" sz="2400" b="1" dirty="0">
+                <a:latin typeface="Times New Roman" panose="02020603050405020304" pitchFamily="18" charset="0"/>
+                <a:cs typeface="Times New Roman" panose="02020603050405020304" pitchFamily="18" charset="0"/>
+              </a:rPr>
+              <a:t>Format</a:t>
+            </a:r>
+            <a:r>
+              <a:rPr lang="en-US" sz="2400" dirty="0">
+                <a:latin typeface="Times New Roman" panose="02020603050405020304" pitchFamily="18" charset="0"/>
+                <a:cs typeface="Times New Roman" panose="02020603050405020304" pitchFamily="18" charset="0"/>
+              </a:rPr>
+              <a:t>, then click OK a couple times. You should get a Drive Format complete! pop up shortly.</a:t>
+            </a:r>
+          </a:p>
+        </p:txBody>
+      </p:sp>
+    </p:spTree>
+    <p:extLst>
+      <p:ext uri="{BB962C8B-B14F-4D97-AF65-F5344CB8AC3E}">
+        <p14:creationId xmlns:p14="http://schemas.microsoft.com/office/powerpoint/2010/main" val="1644047965"/>
+      </p:ext>
+    </p:extLst>
+  </p:cSld>
+  <p:clrMapOvr>
+    <a:masterClrMapping/>
+  </p:clrMapOvr>
+</p:sld>
+</file>
+
+<file path=ppt/slides/slide14.xml><?xml version="1.0" encoding="utf-8"?>
+<p:sld xmlns:a="http://schemas.openxmlformats.org/drawingml/2006/main" xmlns:r="http://schemas.openxmlformats.org/officeDocument/2006/relationships" xmlns:p="http://schemas.openxmlformats.org/presentationml/2006/main">
+  <p:cSld>
+    <p:spTree>
+      <p:nvGrpSpPr>
+        <p:cNvPr id="1" name=""/>
+        <p:cNvGrpSpPr/>
+        <p:nvPr/>
+      </p:nvGrpSpPr>
+      <p:grpSpPr>
+        <a:xfrm>
+          <a:off x="0" y="0"/>
+          <a:ext cx="0" cy="0"/>
+          <a:chOff x="0" y="0"/>
+          <a:chExt cx="0" cy="0"/>
+        </a:xfrm>
+      </p:grpSpPr>
+      <p:sp>
+        <p:nvSpPr>
+          <p:cNvPr id="2" name="Title 1">
+            <a:extLst>
+              <a:ext uri="{FF2B5EF4-FFF2-40B4-BE49-F238E27FC236}">
+                <a16:creationId xmlns:a16="http://schemas.microsoft.com/office/drawing/2014/main" id="{172B4E91-BF8D-4D57-B7AA-1917512DA1F7}"/>
+              </a:ext>
+            </a:extLst>
+          </p:cNvPr>
+          <p:cNvSpPr>
+            <a:spLocks noGrp="1"/>
+          </p:cNvSpPr>
+          <p:nvPr>
+            <p:ph type="title"/>
+          </p:nvPr>
+        </p:nvSpPr>
+        <p:spPr>
+          <a:xfrm>
+            <a:off x="838200" y="2766218"/>
+            <a:ext cx="10515600" cy="1325563"/>
+          </a:xfrm>
+        </p:spPr>
+        <p:txBody>
+          <a:bodyPr/>
+          <a:lstStyle/>
+          <a:p>
+            <a:pPr algn="ctr"/>
+            <a:r>
+              <a:rPr lang="en-US" dirty="0">
+                <a:latin typeface="Times New Roman" panose="02020603050405020304" pitchFamily="18" charset="0"/>
+                <a:cs typeface="Times New Roman" panose="02020603050405020304" pitchFamily="18" charset="0"/>
+              </a:rPr>
+              <a:t>SD Formatter  for Mac OS X</a:t>
+            </a:r>
+            <a:endParaRPr lang="en-US" dirty="0"/>
+          </a:p>
+        </p:txBody>
+      </p:sp>
+      <p:sp>
+        <p:nvSpPr>
+          <p:cNvPr id="4" name="Slide Number Placeholder 3">
+            <a:extLst>
+              <a:ext uri="{FF2B5EF4-FFF2-40B4-BE49-F238E27FC236}">
+                <a16:creationId xmlns:a16="http://schemas.microsoft.com/office/drawing/2014/main" id="{D50EC12D-B26B-4473-B5F3-E73972D6120F}"/>
+              </a:ext>
+            </a:extLst>
+          </p:cNvPr>
+          <p:cNvSpPr>
+            <a:spLocks noGrp="1"/>
+          </p:cNvSpPr>
+          <p:nvPr>
+            <p:ph type="sldNum" sz="quarter" idx="12"/>
+          </p:nvPr>
+        </p:nvSpPr>
+        <p:spPr/>
+        <p:txBody>
+          <a:bodyPr/>
+          <a:lstStyle/>
+          <a:p>
+            <a:fld id="{5316306D-225D-467A-91F3-5242B413A4AD}" type="slidenum">
+              <a:rPr lang="en-US" smtClean="0"/>
+              <a:pPr/>
+              <a:t>14</a:t>
+            </a:fld>
+            <a:endParaRPr lang="en-US" dirty="0">
+              <a:latin typeface="Times New Roman" panose="02020603050405020304" pitchFamily="18" charset="0"/>
+              <a:cs typeface="Times New Roman" panose="02020603050405020304" pitchFamily="18" charset="0"/>
+            </a:endParaRPr>
+          </a:p>
+        </p:txBody>
+      </p:sp>
+    </p:spTree>
+    <p:extLst>
+      <p:ext uri="{BB962C8B-B14F-4D97-AF65-F5344CB8AC3E}">
+        <p14:creationId xmlns:p14="http://schemas.microsoft.com/office/powerpoint/2010/main" val="2756098297"/>
+      </p:ext>
+    </p:extLst>
+  </p:cSld>
+  <p:clrMapOvr>
+    <a:masterClrMapping/>
+  </p:clrMapOvr>
+</p:sld>
+</file>
+
+<file path=ppt/slides/slide15.xml><?xml version="1.0" encoding="utf-8"?>
+<p:sld xmlns:a="http://schemas.openxmlformats.org/drawingml/2006/main" xmlns:r="http://schemas.openxmlformats.org/officeDocument/2006/relationships" xmlns:p="http://schemas.openxmlformats.org/presentationml/2006/main">
+  <p:cSld>
+    <p:spTree>
+      <p:nvGrpSpPr>
+        <p:cNvPr id="1" name=""/>
+        <p:cNvGrpSpPr/>
+        <p:nvPr/>
+      </p:nvGrpSpPr>
+      <p:grpSpPr>
+        <a:xfrm>
+          <a:off x="0" y="0"/>
+          <a:ext cx="0" cy="0"/>
+          <a:chOff x="0" y="0"/>
+          <a:chExt cx="0" cy="0"/>
+        </a:xfrm>
+      </p:grpSpPr>
+      <p:sp>
+        <p:nvSpPr>
+          <p:cNvPr id="2" name="Title 1">
+            <a:extLst>
+              <a:ext uri="{FF2B5EF4-FFF2-40B4-BE49-F238E27FC236}">
+                <a16:creationId xmlns:a16="http://schemas.microsoft.com/office/drawing/2014/main" id="{10CA121A-8704-4A7B-89C6-525353CBDB11}"/>
+              </a:ext>
+            </a:extLst>
+          </p:cNvPr>
+          <p:cNvSpPr>
+            <a:spLocks noGrp="1"/>
+          </p:cNvSpPr>
+          <p:nvPr>
+            <p:ph type="title"/>
+          </p:nvPr>
+        </p:nvSpPr>
+        <p:spPr/>
+        <p:txBody>
+          <a:bodyPr/>
+          <a:lstStyle/>
+          <a:p>
+            <a:r>
+              <a:rPr lang="en-US" dirty="0">
+                <a:latin typeface="Times New Roman" panose="02020603050405020304" pitchFamily="18" charset="0"/>
+                <a:cs typeface="Times New Roman" panose="02020603050405020304" pitchFamily="18" charset="0"/>
+              </a:rPr>
+              <a:t>Format the Card</a:t>
+            </a:r>
+          </a:p>
+        </p:txBody>
+      </p:sp>
+      <p:sp>
+        <p:nvSpPr>
+          <p:cNvPr id="3" name="Content Placeholder 2">
+            <a:extLst>
+              <a:ext uri="{FF2B5EF4-FFF2-40B4-BE49-F238E27FC236}">
+                <a16:creationId xmlns:a16="http://schemas.microsoft.com/office/drawing/2014/main" id="{C29CBB85-30F9-4640-B1A4-186AB1E073D6}"/>
+              </a:ext>
+            </a:extLst>
+          </p:cNvPr>
+          <p:cNvSpPr>
+            <a:spLocks noGrp="1"/>
+          </p:cNvSpPr>
+          <p:nvPr>
+            <p:ph idx="1"/>
+          </p:nvPr>
+        </p:nvSpPr>
+        <p:spPr>
+          <a:xfrm>
+            <a:off x="838200" y="1574902"/>
+            <a:ext cx="10515600" cy="4351338"/>
+          </a:xfrm>
+        </p:spPr>
+        <p:txBody>
+          <a:bodyPr>
+            <a:normAutofit/>
+          </a:bodyPr>
+          <a:lstStyle/>
+          <a:p>
+            <a:pPr algn="just">
+              <a:buFont typeface="+mj-lt"/>
+              <a:buAutoNum type="arabicPeriod"/>
+            </a:pPr>
+            <a:r>
+              <a:rPr lang="en-US" sz="2400" b="1" i="0" dirty="0">
+                <a:effectLst/>
+                <a:latin typeface="Times New Roman" panose="02020603050405020304" pitchFamily="18" charset="0"/>
+                <a:cs typeface="Times New Roman" panose="02020603050405020304" pitchFamily="18" charset="0"/>
+              </a:rPr>
+              <a:t>Download</a:t>
+            </a:r>
+            <a:r>
+              <a:rPr lang="en-US" sz="2400" b="0" i="0" dirty="0">
+                <a:effectLst/>
+                <a:latin typeface="Times New Roman" panose="02020603050405020304" pitchFamily="18" charset="0"/>
+                <a:cs typeface="Times New Roman" panose="02020603050405020304" pitchFamily="18" charset="0"/>
+              </a:rPr>
+              <a:t> </a:t>
+            </a:r>
+            <a:r>
+              <a:rPr lang="en-US" sz="2400" b="0" i="0" u="none" strike="noStrike" dirty="0" err="1">
+                <a:solidFill>
+                  <a:srgbClr val="0563C1"/>
+                </a:solidFill>
+                <a:effectLst/>
+                <a:latin typeface="Times New Roman" panose="02020603050405020304" pitchFamily="18" charset="0"/>
+                <a:cs typeface="Times New Roman" panose="02020603050405020304" pitchFamily="18" charset="0"/>
+                <a:hlinkClick r:id="rId2">
+                  <a:extLst>
+                    <a:ext uri="{A12FA001-AC4F-418D-AE19-62706E023703}">
+                      <ahyp:hlinkClr xmlns:ahyp="http://schemas.microsoft.com/office/drawing/2018/hyperlinkcolor" val="tx"/>
+                    </a:ext>
+                  </a:extLst>
+                </a:hlinkClick>
+              </a:rPr>
+              <a:t>SDFormatter</a:t>
+            </a:r>
+            <a:r>
+              <a:rPr lang="en-US" sz="2400" b="0" i="0" u="none" strike="noStrike" dirty="0">
+                <a:effectLst/>
+                <a:latin typeface="Times New Roman" panose="02020603050405020304" pitchFamily="18" charset="0"/>
+                <a:cs typeface="Times New Roman" panose="02020603050405020304" pitchFamily="18" charset="0"/>
+                <a:hlinkClick r:id="rId2">
+                  <a:extLst>
+                    <a:ext uri="{A12FA001-AC4F-418D-AE19-62706E023703}">
+                      <ahyp:hlinkClr xmlns:ahyp="http://schemas.microsoft.com/office/drawing/2018/hyperlinkcolor" val="tx"/>
+                    </a:ext>
+                  </a:extLst>
+                </a:hlinkClick>
+              </a:rPr>
+              <a:t> for Mac</a:t>
+            </a:r>
+            <a:r>
+              <a:rPr lang="en-US" sz="2400" b="0" i="0" dirty="0">
+                <a:effectLst/>
+                <a:latin typeface="Times New Roman" panose="02020603050405020304" pitchFamily="18" charset="0"/>
+                <a:cs typeface="Times New Roman" panose="02020603050405020304" pitchFamily="18" charset="0"/>
+              </a:rPr>
+              <a:t>. Open the </a:t>
+            </a:r>
+            <a:r>
+              <a:rPr lang="en-US" sz="2400" b="0" i="0" dirty="0" err="1">
+                <a:effectLst/>
+                <a:latin typeface="Times New Roman" panose="02020603050405020304" pitchFamily="18" charset="0"/>
+                <a:cs typeface="Times New Roman" panose="02020603050405020304" pitchFamily="18" charset="0"/>
+              </a:rPr>
+              <a:t>the</a:t>
+            </a:r>
+            <a:r>
+              <a:rPr lang="en-US" sz="2400" b="0" i="0" dirty="0">
+                <a:effectLst/>
+                <a:latin typeface="Times New Roman" panose="02020603050405020304" pitchFamily="18" charset="0"/>
+                <a:cs typeface="Times New Roman" panose="02020603050405020304" pitchFamily="18" charset="0"/>
+              </a:rPr>
+              <a:t> downloaded file, and follow the </a:t>
+            </a:r>
+            <a:r>
+              <a:rPr lang="en-US" sz="2400" b="1" i="0" dirty="0">
+                <a:effectLst/>
+                <a:latin typeface="Times New Roman" panose="02020603050405020304" pitchFamily="18" charset="0"/>
+                <a:cs typeface="Times New Roman" panose="02020603050405020304" pitchFamily="18" charset="0"/>
+              </a:rPr>
+              <a:t>Installer</a:t>
+            </a:r>
+            <a:r>
+              <a:rPr lang="en-US" sz="2400" b="0" i="0" dirty="0">
+                <a:effectLst/>
+                <a:latin typeface="Times New Roman" panose="02020603050405020304" pitchFamily="18" charset="0"/>
+                <a:cs typeface="Times New Roman" panose="02020603050405020304" pitchFamily="18" charset="0"/>
+              </a:rPr>
+              <a:t> directions to install.</a:t>
+            </a:r>
+          </a:p>
+          <a:p>
+            <a:pPr algn="just">
+              <a:buFont typeface="+mj-lt"/>
+              <a:buAutoNum type="arabicPeriod"/>
+            </a:pPr>
+            <a:r>
+              <a:rPr lang="en-US" sz="2400" b="1" i="0" dirty="0">
+                <a:effectLst/>
+                <a:latin typeface="Times New Roman" panose="02020603050405020304" pitchFamily="18" charset="0"/>
+                <a:cs typeface="Times New Roman" panose="02020603050405020304" pitchFamily="18" charset="0"/>
+              </a:rPr>
+              <a:t>Open </a:t>
+            </a:r>
+            <a:r>
+              <a:rPr lang="en-US" sz="2400" b="1" i="1" dirty="0" err="1">
+                <a:effectLst/>
+                <a:latin typeface="Times New Roman" panose="02020603050405020304" pitchFamily="18" charset="0"/>
+                <a:cs typeface="Times New Roman" panose="02020603050405020304" pitchFamily="18" charset="0"/>
+              </a:rPr>
+              <a:t>SDFormatter</a:t>
+            </a:r>
+            <a:r>
+              <a:rPr lang="en-US" sz="2400" b="0" i="0" dirty="0">
+                <a:effectLst/>
+                <a:latin typeface="Times New Roman" panose="02020603050405020304" pitchFamily="18" charset="0"/>
+                <a:cs typeface="Times New Roman" panose="02020603050405020304" pitchFamily="18" charset="0"/>
+              </a:rPr>
+              <a:t> (it should be in your </a:t>
+            </a:r>
+            <a:r>
+              <a:rPr lang="en-US" sz="2400" b="0" i="1" dirty="0">
+                <a:effectLst/>
+                <a:latin typeface="Times New Roman" panose="02020603050405020304" pitchFamily="18" charset="0"/>
+                <a:cs typeface="Times New Roman" panose="02020603050405020304" pitchFamily="18" charset="0"/>
+              </a:rPr>
+              <a:t>Applications</a:t>
+            </a:r>
+            <a:r>
+              <a:rPr lang="en-US" sz="2400" b="0" i="0" dirty="0">
+                <a:effectLst/>
+                <a:latin typeface="Times New Roman" panose="02020603050405020304" pitchFamily="18" charset="0"/>
+                <a:cs typeface="Times New Roman" panose="02020603050405020304" pitchFamily="18" charset="0"/>
+              </a:rPr>
+              <a:t> folder).</a:t>
+            </a:r>
+          </a:p>
+          <a:p>
+            <a:pPr algn="just">
+              <a:buFont typeface="+mj-lt"/>
+              <a:buAutoNum type="arabicPeriod"/>
+            </a:pPr>
+            <a:r>
+              <a:rPr lang="en-US" sz="2400" b="0" i="0" dirty="0">
+                <a:effectLst/>
+                <a:latin typeface="Times New Roman" panose="02020603050405020304" pitchFamily="18" charset="0"/>
+                <a:cs typeface="Times New Roman" panose="02020603050405020304" pitchFamily="18" charset="0"/>
+              </a:rPr>
+              <a:t>Select </a:t>
+            </a:r>
+            <a:r>
+              <a:rPr lang="en-US" sz="2400" b="0" i="1" dirty="0">
+                <a:effectLst/>
+                <a:latin typeface="Times New Roman" panose="02020603050405020304" pitchFamily="18" charset="0"/>
+                <a:cs typeface="Times New Roman" panose="02020603050405020304" pitchFamily="18" charset="0"/>
+              </a:rPr>
+              <a:t>Overwrite Format</a:t>
+            </a:r>
+            <a:r>
+              <a:rPr lang="en-US" sz="2400" b="0" i="0" dirty="0">
+                <a:effectLst/>
+                <a:latin typeface="Times New Roman" panose="02020603050405020304" pitchFamily="18" charset="0"/>
+                <a:cs typeface="Times New Roman" panose="02020603050405020304" pitchFamily="18" charset="0"/>
+              </a:rPr>
+              <a:t> as the format option.</a:t>
+            </a:r>
+          </a:p>
+          <a:p>
+            <a:pPr algn="just">
+              <a:buFont typeface="+mj-lt"/>
+              <a:buAutoNum type="arabicPeriod"/>
+            </a:pPr>
+            <a:r>
+              <a:rPr lang="en-US" sz="2400" b="1" i="0" dirty="0">
+                <a:effectLst/>
+                <a:latin typeface="Times New Roman" panose="02020603050405020304" pitchFamily="18" charset="0"/>
+                <a:cs typeface="Times New Roman" panose="02020603050405020304" pitchFamily="18" charset="0"/>
+              </a:rPr>
+              <a:t>Select your card </a:t>
+            </a:r>
+            <a:r>
+              <a:rPr lang="en-US" sz="2400" b="0" i="0" dirty="0">
+                <a:effectLst/>
+                <a:latin typeface="Times New Roman" panose="02020603050405020304" pitchFamily="18" charset="0"/>
+                <a:cs typeface="Times New Roman" panose="02020603050405020304" pitchFamily="18" charset="0"/>
+              </a:rPr>
+              <a:t>from the top dropdown menu (if it wasn't selected automatically). Make sure it's correct!</a:t>
+            </a:r>
+          </a:p>
+          <a:p>
+            <a:pPr algn="just">
+              <a:buFont typeface="+mj-lt"/>
+              <a:buAutoNum type="arabicPeriod"/>
+            </a:pPr>
+            <a:r>
+              <a:rPr lang="en-US" sz="2400" b="0" i="0" dirty="0">
+                <a:effectLst/>
+                <a:latin typeface="Times New Roman" panose="02020603050405020304" pitchFamily="18" charset="0"/>
+                <a:cs typeface="Times New Roman" panose="02020603050405020304" pitchFamily="18" charset="0"/>
+              </a:rPr>
+              <a:t>Click Format, and watch the progress bar slowly crawl across the bottom of the window. A Card Format complete ! message should appear once successful.</a:t>
+            </a:r>
+          </a:p>
+        </p:txBody>
+      </p:sp>
+      <p:sp>
+        <p:nvSpPr>
+          <p:cNvPr id="4" name="Slide Number Placeholder 3">
+            <a:extLst>
+              <a:ext uri="{FF2B5EF4-FFF2-40B4-BE49-F238E27FC236}">
+                <a16:creationId xmlns:a16="http://schemas.microsoft.com/office/drawing/2014/main" id="{109E5762-A25D-4332-9EC8-48FB469E32D2}"/>
+              </a:ext>
+            </a:extLst>
+          </p:cNvPr>
+          <p:cNvSpPr>
+            <a:spLocks noGrp="1"/>
+          </p:cNvSpPr>
+          <p:nvPr>
+            <p:ph type="sldNum" sz="quarter" idx="12"/>
+          </p:nvPr>
+        </p:nvSpPr>
+        <p:spPr/>
+        <p:txBody>
+          <a:bodyPr/>
+          <a:lstStyle/>
+          <a:p>
+            <a:fld id="{5316306D-225D-467A-91F3-5242B413A4AD}" type="slidenum">
+              <a:rPr lang="en-US" smtClean="0"/>
+              <a:pPr/>
+              <a:t>15</a:t>
+            </a:fld>
+            <a:endParaRPr lang="en-US" dirty="0">
+              <a:latin typeface="Times New Roman" panose="02020603050405020304" pitchFamily="18" charset="0"/>
+              <a:cs typeface="Times New Roman" panose="02020603050405020304" pitchFamily="18" charset="0"/>
+            </a:endParaRPr>
+          </a:p>
+        </p:txBody>
+      </p:sp>
+    </p:spTree>
+    <p:extLst>
+      <p:ext uri="{BB962C8B-B14F-4D97-AF65-F5344CB8AC3E}">
+        <p14:creationId xmlns:p14="http://schemas.microsoft.com/office/powerpoint/2010/main" val="1089650440"/>
+      </p:ext>
+    </p:extLst>
+  </p:cSld>
+  <p:clrMapOvr>
+    <a:masterClrMapping/>
+  </p:clrMapOvr>
+</p:sld>
+</file>
+
+<file path=ppt/slides/slide16.xml><?xml version="1.0" encoding="utf-8"?>
+<p:sld xmlns:a="http://schemas.openxmlformats.org/drawingml/2006/main" xmlns:r="http://schemas.openxmlformats.org/officeDocument/2006/relationships" xmlns:p="http://schemas.openxmlformats.org/presentationml/2006/main">
+  <p:cSld>
+    <p:spTree>
+      <p:nvGrpSpPr>
+        <p:cNvPr id="1" name=""/>
+        <p:cNvGrpSpPr/>
+        <p:nvPr/>
+      </p:nvGrpSpPr>
+      <p:grpSpPr>
+        <a:xfrm>
+          <a:off x="0" y="0"/>
+          <a:ext cx="0" cy="0"/>
+          <a:chOff x="0" y="0"/>
+          <a:chExt cx="0" cy="0"/>
+        </a:xfrm>
+      </p:grpSpPr>
+      <p:sp>
+        <p:nvSpPr>
+          <p:cNvPr id="2" name="Title 1">
+            <a:extLst>
+              <a:ext uri="{FF2B5EF4-FFF2-40B4-BE49-F238E27FC236}">
+                <a16:creationId xmlns:a16="http://schemas.microsoft.com/office/drawing/2014/main" id="{F30A1039-06E0-4430-AE04-170CCA38B004}"/>
+              </a:ext>
+            </a:extLst>
+          </p:cNvPr>
+          <p:cNvSpPr>
+            <a:spLocks noGrp="1"/>
+          </p:cNvSpPr>
+          <p:nvPr>
+            <p:ph type="title"/>
+          </p:nvPr>
+        </p:nvSpPr>
+        <p:spPr>
+          <a:xfrm>
+            <a:off x="838200" y="365126"/>
+            <a:ext cx="10515600" cy="829494"/>
+          </a:xfrm>
+        </p:spPr>
+        <p:txBody>
+          <a:bodyPr/>
+          <a:lstStyle/>
+          <a:p>
+            <a:endParaRPr lang="en-US" dirty="0"/>
+          </a:p>
+        </p:txBody>
+      </p:sp>
+      <p:pic>
+        <p:nvPicPr>
+          <p:cNvPr id="6" name="Content Placeholder 5">
+            <a:extLst>
+              <a:ext uri="{FF2B5EF4-FFF2-40B4-BE49-F238E27FC236}">
+                <a16:creationId xmlns:a16="http://schemas.microsoft.com/office/drawing/2014/main" id="{FE23AF47-64E9-4242-8E8B-2350568388D9}"/>
+              </a:ext>
+            </a:extLst>
+          </p:cNvPr>
+          <p:cNvPicPr>
+            <a:picLocks noGrp="1" noChangeAspect="1"/>
+          </p:cNvPicPr>
+          <p:nvPr>
+            <p:ph idx="1"/>
+          </p:nvPr>
+        </p:nvPicPr>
+        <p:blipFill>
+          <a:blip r:embed="rId2">
+            <a:extLst>
+              <a:ext uri="{28A0092B-C50C-407E-A947-70E740481C1C}">
+                <a14:useLocalDpi xmlns:a14="http://schemas.microsoft.com/office/drawing/2010/main" val="0"/>
+              </a:ext>
+            </a:extLst>
+          </a:blip>
+          <a:stretch>
+            <a:fillRect/>
+          </a:stretch>
+        </p:blipFill>
+        <p:spPr>
+          <a:xfrm>
+            <a:off x="2050026" y="1516655"/>
+            <a:ext cx="7476612" cy="5022257"/>
+          </a:xfrm>
+        </p:spPr>
+      </p:pic>
+      <p:sp>
+        <p:nvSpPr>
+          <p:cNvPr id="4" name="Slide Number Placeholder 3">
+            <a:extLst>
+              <a:ext uri="{FF2B5EF4-FFF2-40B4-BE49-F238E27FC236}">
+                <a16:creationId xmlns:a16="http://schemas.microsoft.com/office/drawing/2014/main" id="{FAC526A6-B6E1-4ABE-84D0-F438AB4F3111}"/>
+              </a:ext>
+            </a:extLst>
+          </p:cNvPr>
+          <p:cNvSpPr>
+            <a:spLocks noGrp="1"/>
+          </p:cNvSpPr>
+          <p:nvPr>
+            <p:ph type="sldNum" sz="quarter" idx="12"/>
+          </p:nvPr>
+        </p:nvSpPr>
+        <p:spPr/>
+        <p:txBody>
+          <a:bodyPr/>
+          <a:lstStyle/>
+          <a:p>
+            <a:fld id="{5316306D-225D-467A-91F3-5242B413A4AD}" type="slidenum">
+              <a:rPr lang="en-US" smtClean="0"/>
+              <a:pPr/>
+              <a:t>16</a:t>
+            </a:fld>
+            <a:endParaRPr lang="en-US" dirty="0">
+              <a:latin typeface="Times New Roman" panose="02020603050405020304" pitchFamily="18" charset="0"/>
+              <a:cs typeface="Times New Roman" panose="02020603050405020304" pitchFamily="18" charset="0"/>
+            </a:endParaRPr>
+          </a:p>
+        </p:txBody>
+      </p:sp>
+    </p:spTree>
+    <p:extLst>
+      <p:ext uri="{BB962C8B-B14F-4D97-AF65-F5344CB8AC3E}">
+        <p14:creationId xmlns:p14="http://schemas.microsoft.com/office/powerpoint/2010/main" val="3560224810"/>
+      </p:ext>
+    </p:extLst>
+  </p:cSld>
+  <p:clrMapOvr>
+    <a:masterClrMapping/>
+  </p:clrMapOvr>
+</p:sld>
+</file>
+
+<file path=ppt/slides/slide17.xml><?xml version="1.0" encoding="utf-8"?>
+<p:sld xmlns:a="http://schemas.openxmlformats.org/drawingml/2006/main" xmlns:r="http://schemas.openxmlformats.org/officeDocument/2006/relationships" xmlns:p="http://schemas.openxmlformats.org/presentationml/2006/main">
+  <p:cSld>
+    <p:spTree>
+      <p:nvGrpSpPr>
+        <p:cNvPr id="1" name=""/>
+        <p:cNvGrpSpPr/>
+        <p:nvPr/>
+      </p:nvGrpSpPr>
+      <p:grpSpPr>
+        <a:xfrm>
+          <a:off x="0" y="0"/>
+          <a:ext cx="0" cy="0"/>
+          <a:chOff x="0" y="0"/>
+          <a:chExt cx="0" cy="0"/>
+        </a:xfrm>
+      </p:grpSpPr>
+      <p:sp>
+        <p:nvSpPr>
+          <p:cNvPr id="2" name="Title 1">
+            <a:extLst>
+              <a:ext uri="{FF2B5EF4-FFF2-40B4-BE49-F238E27FC236}">
+                <a16:creationId xmlns:a16="http://schemas.microsoft.com/office/drawing/2014/main" id="{172B4E91-BF8D-4D57-B7AA-1917512DA1F7}"/>
+              </a:ext>
+            </a:extLst>
+          </p:cNvPr>
+          <p:cNvSpPr>
+            <a:spLocks noGrp="1"/>
+          </p:cNvSpPr>
+          <p:nvPr>
+            <p:ph type="title"/>
+          </p:nvPr>
+        </p:nvSpPr>
+        <p:spPr>
+          <a:xfrm>
+            <a:off x="838200" y="2766218"/>
+            <a:ext cx="10515600" cy="1325563"/>
+          </a:xfrm>
+        </p:spPr>
+        <p:txBody>
+          <a:bodyPr/>
+          <a:lstStyle/>
+          <a:p>
+            <a:pPr algn="ctr"/>
+            <a:r>
+              <a:rPr lang="en-US" dirty="0">
+                <a:latin typeface="Times New Roman" panose="02020603050405020304" pitchFamily="18" charset="0"/>
+                <a:cs typeface="Times New Roman" panose="02020603050405020304" pitchFamily="18" charset="0"/>
+              </a:rPr>
+              <a:t>Download NOOBS</a:t>
+            </a:r>
+            <a:endParaRPr lang="en-US" dirty="0"/>
+          </a:p>
+        </p:txBody>
+      </p:sp>
+      <p:sp>
+        <p:nvSpPr>
+          <p:cNvPr id="4" name="Slide Number Placeholder 3">
+            <a:extLst>
+              <a:ext uri="{FF2B5EF4-FFF2-40B4-BE49-F238E27FC236}">
+                <a16:creationId xmlns:a16="http://schemas.microsoft.com/office/drawing/2014/main" id="{D50EC12D-B26B-4473-B5F3-E73972D6120F}"/>
+              </a:ext>
+            </a:extLst>
+          </p:cNvPr>
+          <p:cNvSpPr>
+            <a:spLocks noGrp="1"/>
+          </p:cNvSpPr>
+          <p:nvPr>
+            <p:ph type="sldNum" sz="quarter" idx="12"/>
+          </p:nvPr>
+        </p:nvSpPr>
+        <p:spPr/>
+        <p:txBody>
+          <a:bodyPr/>
+          <a:lstStyle/>
+          <a:p>
+            <a:fld id="{5316306D-225D-467A-91F3-5242B413A4AD}" type="slidenum">
+              <a:rPr lang="en-US" smtClean="0"/>
+              <a:pPr/>
+              <a:t>17</a:t>
+            </a:fld>
+            <a:endParaRPr lang="en-US" dirty="0">
+              <a:latin typeface="Times New Roman" panose="02020603050405020304" pitchFamily="18" charset="0"/>
+              <a:cs typeface="Times New Roman" panose="02020603050405020304" pitchFamily="18" charset="0"/>
+            </a:endParaRPr>
+          </a:p>
+        </p:txBody>
+      </p:sp>
+    </p:spTree>
+    <p:extLst>
+      <p:ext uri="{BB962C8B-B14F-4D97-AF65-F5344CB8AC3E}">
+        <p14:creationId xmlns:p14="http://schemas.microsoft.com/office/powerpoint/2010/main" val="3469300088"/>
+      </p:ext>
+    </p:extLst>
+  </p:cSld>
+  <p:clrMapOvr>
+    <a:masterClrMapping/>
+  </p:clrMapOvr>
+</p:sld>
+</file>
+
+<file path=ppt/slides/slide18.xml><?xml version="1.0" encoding="utf-8"?>
+<p:sld xmlns:a="http://schemas.openxmlformats.org/drawingml/2006/main" xmlns:r="http://schemas.openxmlformats.org/officeDocument/2006/relationships" xmlns:p="http://schemas.openxmlformats.org/presentationml/2006/main">
+  <p:cSld>
+    <p:spTree>
+      <p:nvGrpSpPr>
+        <p:cNvPr id="1" name=""/>
+        <p:cNvGrpSpPr/>
+        <p:nvPr/>
+      </p:nvGrpSpPr>
+      <p:grpSpPr>
+        <a:xfrm>
+          <a:off x="0" y="0"/>
+          <a:ext cx="0" cy="0"/>
+          <a:chOff x="0" y="0"/>
+          <a:chExt cx="0" cy="0"/>
+        </a:xfrm>
+      </p:grpSpPr>
+      <p:sp>
+        <p:nvSpPr>
+          <p:cNvPr id="2" name="Title 1">
+            <a:extLst>
+              <a:ext uri="{FF2B5EF4-FFF2-40B4-BE49-F238E27FC236}">
+                <a16:creationId xmlns:a16="http://schemas.microsoft.com/office/drawing/2014/main" id="{FF813069-7BFC-4CD9-AA21-A86E06D6B3B8}"/>
+              </a:ext>
+            </a:extLst>
+          </p:cNvPr>
+          <p:cNvSpPr>
+            <a:spLocks noGrp="1"/>
+          </p:cNvSpPr>
+          <p:nvPr>
+            <p:ph type="title"/>
+          </p:nvPr>
+        </p:nvSpPr>
+        <p:spPr/>
+        <p:txBody>
+          <a:bodyPr/>
+          <a:lstStyle/>
+          <a:p>
+            <a:endParaRPr lang="en-US"/>
+          </a:p>
+        </p:txBody>
+      </p:sp>
+      <p:sp>
+        <p:nvSpPr>
+          <p:cNvPr id="3" name="Content Placeholder 2">
+            <a:extLst>
+              <a:ext uri="{FF2B5EF4-FFF2-40B4-BE49-F238E27FC236}">
+                <a16:creationId xmlns:a16="http://schemas.microsoft.com/office/drawing/2014/main" id="{7BE90F27-9332-4874-A4F2-8D791FCE180A}"/>
+              </a:ext>
+            </a:extLst>
+          </p:cNvPr>
+          <p:cNvSpPr>
+            <a:spLocks noGrp="1"/>
+          </p:cNvSpPr>
+          <p:nvPr>
+            <p:ph idx="1"/>
+          </p:nvPr>
+        </p:nvSpPr>
+        <p:spPr/>
+        <p:txBody>
+          <a:bodyPr>
+            <a:normAutofit fontScale="92500" lnSpcReduction="20000"/>
+          </a:bodyPr>
+          <a:lstStyle/>
+          <a:p>
+            <a:pPr algn="just"/>
+            <a:r>
+              <a:rPr lang="en-US" dirty="0">
+                <a:latin typeface="Times New Roman" panose="02020603050405020304" pitchFamily="18" charset="0"/>
+                <a:cs typeface="Times New Roman" panose="02020603050405020304" pitchFamily="18" charset="0"/>
+              </a:rPr>
+              <a:t>Raspberry Pi's New Out of Box Software (NOOBS) is recommended for first time Pi users (and even advanced ones). It includes a variety of useful operating system images (including Raspbian), and really simplifies the process</a:t>
+            </a:r>
+          </a:p>
+          <a:p>
+            <a:pPr algn="just"/>
+            <a:endParaRPr lang="en-US" dirty="0">
+              <a:latin typeface="Times New Roman" panose="02020603050405020304" pitchFamily="18" charset="0"/>
+              <a:cs typeface="Times New Roman" panose="02020603050405020304" pitchFamily="18" charset="0"/>
+            </a:endParaRPr>
+          </a:p>
+          <a:p>
+            <a:pPr algn="just"/>
+            <a:r>
+              <a:rPr lang="en-US" dirty="0">
+                <a:latin typeface="Times New Roman" panose="02020603050405020304" pitchFamily="18" charset="0"/>
+                <a:cs typeface="Times New Roman" panose="02020603050405020304" pitchFamily="18" charset="0"/>
+              </a:rPr>
+              <a:t>Head over to the </a:t>
+            </a:r>
+            <a:r>
+              <a:rPr lang="en-US" dirty="0">
+                <a:latin typeface="Times New Roman" panose="02020603050405020304" pitchFamily="18" charset="0"/>
+                <a:cs typeface="Times New Roman" panose="02020603050405020304" pitchFamily="18" charset="0"/>
+                <a:hlinkClick r:id="rId2"/>
+              </a:rPr>
+              <a:t>Raspbery Pi downloads </a:t>
+            </a:r>
+            <a:r>
+              <a:rPr lang="en-US" dirty="0">
+                <a:latin typeface="Times New Roman" panose="02020603050405020304" pitchFamily="18" charset="0"/>
+                <a:cs typeface="Times New Roman" panose="02020603050405020304" pitchFamily="18" charset="0"/>
+              </a:rPr>
+              <a:t>page, and download the most recent NOOBS (offline install) image (NOOBS_v1_3_2.zip as of writing this). It should be a 1-ish GB ZIP folder.</a:t>
+            </a:r>
+          </a:p>
+          <a:p>
+            <a:pPr algn="just"/>
+            <a:endParaRPr lang="en-US" dirty="0">
+              <a:latin typeface="Times New Roman" panose="02020603050405020304" pitchFamily="18" charset="0"/>
+              <a:cs typeface="Times New Roman" panose="02020603050405020304" pitchFamily="18" charset="0"/>
+            </a:endParaRPr>
+          </a:p>
+          <a:p>
+            <a:pPr algn="just"/>
+            <a:r>
+              <a:rPr lang="en-US" dirty="0">
+                <a:latin typeface="Times New Roman" panose="02020603050405020304" pitchFamily="18" charset="0"/>
+                <a:cs typeface="Times New Roman" panose="02020603050405020304" pitchFamily="18" charset="0"/>
+              </a:rPr>
+              <a:t>Once the download has finished, </a:t>
+            </a:r>
+            <a:r>
+              <a:rPr lang="en-US" b="1" dirty="0">
+                <a:latin typeface="Times New Roman" panose="02020603050405020304" pitchFamily="18" charset="0"/>
+                <a:cs typeface="Times New Roman" panose="02020603050405020304" pitchFamily="18" charset="0"/>
+              </a:rPr>
+              <a:t>extract the ZIP folder</a:t>
+            </a:r>
+            <a:r>
+              <a:rPr lang="en-US" dirty="0">
+                <a:latin typeface="Times New Roman" panose="02020603050405020304" pitchFamily="18" charset="0"/>
+                <a:cs typeface="Times New Roman" panose="02020603050405020304" pitchFamily="18" charset="0"/>
+              </a:rPr>
+              <a:t> and place the contents at the top level of your SD card. Once unzipped, the directory structure should look a little something like this</a:t>
+            </a:r>
+          </a:p>
+        </p:txBody>
+      </p:sp>
+      <p:sp>
+        <p:nvSpPr>
+          <p:cNvPr id="4" name="Slide Number Placeholder 3">
+            <a:extLst>
+              <a:ext uri="{FF2B5EF4-FFF2-40B4-BE49-F238E27FC236}">
+                <a16:creationId xmlns:a16="http://schemas.microsoft.com/office/drawing/2014/main" id="{A7F8F72E-549E-426C-92D8-BC44574BA3A9}"/>
+              </a:ext>
+            </a:extLst>
+          </p:cNvPr>
+          <p:cNvSpPr>
+            <a:spLocks noGrp="1"/>
+          </p:cNvSpPr>
+          <p:nvPr>
+            <p:ph type="sldNum" sz="quarter" idx="12"/>
+          </p:nvPr>
+        </p:nvSpPr>
+        <p:spPr/>
+        <p:txBody>
+          <a:bodyPr/>
+          <a:lstStyle/>
+          <a:p>
+            <a:fld id="{5316306D-225D-467A-91F3-5242B413A4AD}" type="slidenum">
+              <a:rPr lang="en-US" smtClean="0"/>
+              <a:pPr/>
+              <a:t>18</a:t>
+            </a:fld>
+            <a:endParaRPr lang="en-US" dirty="0">
+              <a:latin typeface="Times New Roman" panose="02020603050405020304" pitchFamily="18" charset="0"/>
+              <a:cs typeface="Times New Roman" panose="02020603050405020304" pitchFamily="18" charset="0"/>
+            </a:endParaRPr>
+          </a:p>
+        </p:txBody>
+      </p:sp>
+    </p:spTree>
+    <p:extLst>
+      <p:ext uri="{BB962C8B-B14F-4D97-AF65-F5344CB8AC3E}">
+        <p14:creationId xmlns:p14="http://schemas.microsoft.com/office/powerpoint/2010/main" val="3995113323"/>
+      </p:ext>
+    </p:extLst>
+  </p:cSld>
+  <p:clrMapOvr>
+    <a:masterClrMapping/>
+  </p:clrMapOvr>
+</p:sld>
+</file>
+
+<file path=ppt/slides/slide19.xml><?xml version="1.0" encoding="utf-8"?>
+<p:sld xmlns:a="http://schemas.openxmlformats.org/drawingml/2006/main" xmlns:r="http://schemas.openxmlformats.org/officeDocument/2006/relationships" xmlns:p="http://schemas.openxmlformats.org/presentationml/2006/main">
+  <p:cSld>
+    <p:spTree>
+      <p:nvGrpSpPr>
+        <p:cNvPr id="1" name=""/>
+        <p:cNvGrpSpPr/>
+        <p:nvPr/>
+      </p:nvGrpSpPr>
+      <p:grpSpPr>
+        <a:xfrm>
+          <a:off x="0" y="0"/>
+          <a:ext cx="0" cy="0"/>
+          <a:chOff x="0" y="0"/>
+          <a:chExt cx="0" cy="0"/>
+        </a:xfrm>
+      </p:grpSpPr>
+      <p:pic>
+        <p:nvPicPr>
+          <p:cNvPr id="6" name="Content Placeholder 5">
+            <a:extLst>
+              <a:ext uri="{FF2B5EF4-FFF2-40B4-BE49-F238E27FC236}">
+                <a16:creationId xmlns:a16="http://schemas.microsoft.com/office/drawing/2014/main" id="{5CA0DC02-6E5E-4159-9848-47002B3A21AE}"/>
+              </a:ext>
+            </a:extLst>
+          </p:cNvPr>
+          <p:cNvPicPr>
+            <a:picLocks noGrp="1" noChangeAspect="1"/>
+          </p:cNvPicPr>
+          <p:nvPr>
+            <p:ph idx="1"/>
+          </p:nvPr>
+        </p:nvPicPr>
+        <p:blipFill>
+          <a:blip r:embed="rId2">
+            <a:extLst>
+              <a:ext uri="{28A0092B-C50C-407E-A947-70E740481C1C}">
+                <a14:useLocalDpi xmlns:a14="http://schemas.microsoft.com/office/drawing/2010/main" val="0"/>
+              </a:ext>
+            </a:extLst>
+          </a:blip>
+          <a:stretch>
+            <a:fillRect/>
+          </a:stretch>
+        </p:blipFill>
+        <p:spPr>
+          <a:xfrm>
+            <a:off x="1120878" y="1335352"/>
+            <a:ext cx="9542206" cy="5157523"/>
+          </a:xfrm>
+        </p:spPr>
+      </p:pic>
+      <p:sp>
+        <p:nvSpPr>
+          <p:cNvPr id="4" name="Slide Number Placeholder 3">
+            <a:extLst>
+              <a:ext uri="{FF2B5EF4-FFF2-40B4-BE49-F238E27FC236}">
+                <a16:creationId xmlns:a16="http://schemas.microsoft.com/office/drawing/2014/main" id="{6D40B1DE-EF40-4A27-82FE-7246189B13E2}"/>
+              </a:ext>
+            </a:extLst>
+          </p:cNvPr>
+          <p:cNvSpPr>
+            <a:spLocks noGrp="1"/>
+          </p:cNvSpPr>
+          <p:nvPr>
+            <p:ph type="sldNum" sz="quarter" idx="12"/>
+          </p:nvPr>
+        </p:nvSpPr>
+        <p:spPr/>
+        <p:txBody>
+          <a:bodyPr/>
+          <a:lstStyle/>
+          <a:p>
+            <a:fld id="{5316306D-225D-467A-91F3-5242B413A4AD}" type="slidenum">
+              <a:rPr lang="en-US" smtClean="0"/>
+              <a:pPr/>
+              <a:t>19</a:t>
+            </a:fld>
+            <a:endParaRPr lang="en-US" dirty="0">
+              <a:latin typeface="Times New Roman" panose="02020603050405020304" pitchFamily="18" charset="0"/>
+              <a:cs typeface="Times New Roman" panose="02020603050405020304" pitchFamily="18" charset="0"/>
+            </a:endParaRPr>
+          </a:p>
+        </p:txBody>
+      </p:sp>
+    </p:spTree>
+    <p:extLst>
+      <p:ext uri="{BB962C8B-B14F-4D97-AF65-F5344CB8AC3E}">
+        <p14:creationId xmlns:p14="http://schemas.microsoft.com/office/powerpoint/2010/main" val="2170314181"/>
       </p:ext>
     </p:extLst>
   </p:cSld>
@@ -3491,10 +5556,280 @@
           </a:p>
         </p:txBody>
       </p:sp>
+      <p:sp>
+        <p:nvSpPr>
+          <p:cNvPr id="4" name="Slide Number Placeholder 3">
+            <a:extLst>
+              <a:ext uri="{FF2B5EF4-FFF2-40B4-BE49-F238E27FC236}">
+                <a16:creationId xmlns:a16="http://schemas.microsoft.com/office/drawing/2014/main" id="{32A64ACA-1374-41E8-B3E0-916B9DC09912}"/>
+              </a:ext>
+            </a:extLst>
+          </p:cNvPr>
+          <p:cNvSpPr>
+            <a:spLocks noGrp="1"/>
+          </p:cNvSpPr>
+          <p:nvPr>
+            <p:ph type="sldNum" sz="quarter" idx="12"/>
+          </p:nvPr>
+        </p:nvSpPr>
+        <p:spPr>
+          <a:xfrm>
+            <a:off x="8610600" y="6356350"/>
+            <a:ext cx="2743200" cy="365125"/>
+          </a:xfrm>
+        </p:spPr>
+        <p:txBody>
+          <a:bodyPr/>
+          <a:lstStyle/>
+          <a:p>
+            <a:fld id="{5316306D-225D-467A-91F3-5242B413A4AD}" type="slidenum">
+              <a:rPr lang="en-US" smtClean="0"/>
+              <a:t>2</a:t>
+            </a:fld>
+            <a:endParaRPr lang="en-US"/>
+          </a:p>
+        </p:txBody>
+      </p:sp>
     </p:spTree>
     <p:extLst>
       <p:ext uri="{BB962C8B-B14F-4D97-AF65-F5344CB8AC3E}">
         <p14:creationId xmlns:p14="http://schemas.microsoft.com/office/powerpoint/2010/main" val="1432209359"/>
+      </p:ext>
+    </p:extLst>
+  </p:cSld>
+  <p:clrMapOvr>
+    <a:masterClrMapping/>
+  </p:clrMapOvr>
+</p:sld>
+</file>
+
+<file path=ppt/slides/slide20.xml><?xml version="1.0" encoding="utf-8"?>
+<p:sld xmlns:a="http://schemas.openxmlformats.org/drawingml/2006/main" xmlns:r="http://schemas.openxmlformats.org/officeDocument/2006/relationships" xmlns:p="http://schemas.openxmlformats.org/presentationml/2006/main">
+  <p:cSld>
+    <p:spTree>
+      <p:nvGrpSpPr>
+        <p:cNvPr id="1" name=""/>
+        <p:cNvGrpSpPr/>
+        <p:nvPr/>
+      </p:nvGrpSpPr>
+      <p:grpSpPr>
+        <a:xfrm>
+          <a:off x="0" y="0"/>
+          <a:ext cx="0" cy="0"/>
+          <a:chOff x="0" y="0"/>
+          <a:chExt cx="0" cy="0"/>
+        </a:xfrm>
+      </p:grpSpPr>
+      <p:sp>
+        <p:nvSpPr>
+          <p:cNvPr id="2" name="Title 1">
+            <a:extLst>
+              <a:ext uri="{FF2B5EF4-FFF2-40B4-BE49-F238E27FC236}">
+                <a16:creationId xmlns:a16="http://schemas.microsoft.com/office/drawing/2014/main" id="{172B4E91-BF8D-4D57-B7AA-1917512DA1F7}"/>
+              </a:ext>
+            </a:extLst>
+          </p:cNvPr>
+          <p:cNvSpPr>
+            <a:spLocks noGrp="1"/>
+          </p:cNvSpPr>
+          <p:nvPr>
+            <p:ph type="title"/>
+          </p:nvPr>
+        </p:nvSpPr>
+        <p:spPr>
+          <a:xfrm>
+            <a:off x="838200" y="2766218"/>
+            <a:ext cx="10515600" cy="1325563"/>
+          </a:xfrm>
+        </p:spPr>
+        <p:txBody>
+          <a:bodyPr/>
+          <a:lstStyle/>
+          <a:p>
+            <a:pPr algn="ctr"/>
+            <a:r>
+              <a:rPr lang="en-US" dirty="0">
+                <a:latin typeface="Times New Roman" panose="02020603050405020304" pitchFamily="18" charset="0"/>
+                <a:cs typeface="Times New Roman" panose="02020603050405020304" pitchFamily="18" charset="0"/>
+              </a:rPr>
+              <a:t>Prepare the Pi</a:t>
+            </a:r>
+            <a:endParaRPr lang="en-US" dirty="0"/>
+          </a:p>
+        </p:txBody>
+      </p:sp>
+      <p:sp>
+        <p:nvSpPr>
+          <p:cNvPr id="4" name="Slide Number Placeholder 3">
+            <a:extLst>
+              <a:ext uri="{FF2B5EF4-FFF2-40B4-BE49-F238E27FC236}">
+                <a16:creationId xmlns:a16="http://schemas.microsoft.com/office/drawing/2014/main" id="{D50EC12D-B26B-4473-B5F3-E73972D6120F}"/>
+              </a:ext>
+            </a:extLst>
+          </p:cNvPr>
+          <p:cNvSpPr>
+            <a:spLocks noGrp="1"/>
+          </p:cNvSpPr>
+          <p:nvPr>
+            <p:ph type="sldNum" sz="quarter" idx="12"/>
+          </p:nvPr>
+        </p:nvSpPr>
+        <p:spPr/>
+        <p:txBody>
+          <a:bodyPr/>
+          <a:lstStyle/>
+          <a:p>
+            <a:fld id="{5316306D-225D-467A-91F3-5242B413A4AD}" type="slidenum">
+              <a:rPr lang="en-US" smtClean="0"/>
+              <a:pPr/>
+              <a:t>20</a:t>
+            </a:fld>
+            <a:endParaRPr lang="en-US" dirty="0">
+              <a:latin typeface="Times New Roman" panose="02020603050405020304" pitchFamily="18" charset="0"/>
+              <a:cs typeface="Times New Roman" panose="02020603050405020304" pitchFamily="18" charset="0"/>
+            </a:endParaRPr>
+          </a:p>
+        </p:txBody>
+      </p:sp>
+    </p:spTree>
+    <p:extLst>
+      <p:ext uri="{BB962C8B-B14F-4D97-AF65-F5344CB8AC3E}">
+        <p14:creationId xmlns:p14="http://schemas.microsoft.com/office/powerpoint/2010/main" val="1781332605"/>
+      </p:ext>
+    </p:extLst>
+  </p:cSld>
+  <p:clrMapOvr>
+    <a:masterClrMapping/>
+  </p:clrMapOvr>
+</p:sld>
+</file>
+
+<file path=ppt/slides/slide21.xml><?xml version="1.0" encoding="utf-8"?>
+<p:sld xmlns:a="http://schemas.openxmlformats.org/drawingml/2006/main" xmlns:r="http://schemas.openxmlformats.org/officeDocument/2006/relationships" xmlns:p="http://schemas.openxmlformats.org/presentationml/2006/main">
+  <p:cSld>
+    <p:spTree>
+      <p:nvGrpSpPr>
+        <p:cNvPr id="1" name=""/>
+        <p:cNvGrpSpPr/>
+        <p:nvPr/>
+      </p:nvGrpSpPr>
+      <p:grpSpPr>
+        <a:xfrm>
+          <a:off x="0" y="0"/>
+          <a:ext cx="0" cy="0"/>
+          <a:chOff x="0" y="0"/>
+          <a:chExt cx="0" cy="0"/>
+        </a:xfrm>
+      </p:grpSpPr>
+      <p:sp>
+        <p:nvSpPr>
+          <p:cNvPr id="2" name="Title 1">
+            <a:extLst>
+              <a:ext uri="{FF2B5EF4-FFF2-40B4-BE49-F238E27FC236}">
+                <a16:creationId xmlns:a16="http://schemas.microsoft.com/office/drawing/2014/main" id="{53398A68-993F-4FCD-8D54-73D2103DF761}"/>
+              </a:ext>
+            </a:extLst>
+          </p:cNvPr>
+          <p:cNvSpPr>
+            <a:spLocks noGrp="1"/>
+          </p:cNvSpPr>
+          <p:nvPr>
+            <p:ph type="title"/>
+          </p:nvPr>
+        </p:nvSpPr>
+        <p:spPr/>
+        <p:txBody>
+          <a:bodyPr>
+            <a:normAutofit/>
+          </a:bodyPr>
+          <a:lstStyle/>
+          <a:p>
+            <a:r>
+              <a:rPr lang="en-US" b="1" i="0" dirty="0">
+                <a:solidFill>
+                  <a:srgbClr val="222222"/>
+                </a:solidFill>
+                <a:effectLst/>
+                <a:latin typeface="Rubik"/>
+              </a:rPr>
+              <a:t>Install Raspberry Pi OS using Raspberry Pi Imager</a:t>
+            </a:r>
+            <a:endParaRPr lang="en-US" dirty="0"/>
+          </a:p>
+        </p:txBody>
+      </p:sp>
+      <p:pic>
+        <p:nvPicPr>
+          <p:cNvPr id="6" name="Content Placeholder 5">
+            <a:extLst>
+              <a:ext uri="{FF2B5EF4-FFF2-40B4-BE49-F238E27FC236}">
+                <a16:creationId xmlns:a16="http://schemas.microsoft.com/office/drawing/2014/main" id="{D3B13937-8D52-474B-88C5-78BA521CB6BE}"/>
+              </a:ext>
+            </a:extLst>
+          </p:cNvPr>
+          <p:cNvPicPr>
+            <a:picLocks noGrp="1" noChangeAspect="1"/>
+          </p:cNvPicPr>
+          <p:nvPr>
+            <p:ph idx="1"/>
+          </p:nvPr>
+        </p:nvPicPr>
+        <p:blipFill>
+          <a:blip r:embed="rId2">
+            <a:extLst>
+              <a:ext uri="{28A0092B-C50C-407E-A947-70E740481C1C}">
+                <a14:useLocalDpi xmlns:a14="http://schemas.microsoft.com/office/drawing/2010/main" val="0"/>
+              </a:ext>
+            </a:extLst>
+          </a:blip>
+          <a:stretch>
+            <a:fillRect/>
+          </a:stretch>
+        </p:blipFill>
+        <p:spPr>
+          <a:xfrm>
+            <a:off x="2853505" y="2178059"/>
+            <a:ext cx="6484989" cy="4314816"/>
+          </a:xfrm>
+        </p:spPr>
+      </p:pic>
+      <p:sp>
+        <p:nvSpPr>
+          <p:cNvPr id="4" name="Slide Number Placeholder 3">
+            <a:extLst>
+              <a:ext uri="{FF2B5EF4-FFF2-40B4-BE49-F238E27FC236}">
+                <a16:creationId xmlns:a16="http://schemas.microsoft.com/office/drawing/2014/main" id="{EF9ABF0E-1588-4E22-BDA4-C7D60F6D83D1}"/>
+              </a:ext>
+            </a:extLst>
+          </p:cNvPr>
+          <p:cNvSpPr>
+            <a:spLocks noGrp="1"/>
+          </p:cNvSpPr>
+          <p:nvPr>
+            <p:ph type="sldNum" sz="quarter" idx="12"/>
+          </p:nvPr>
+        </p:nvSpPr>
+        <p:spPr/>
+        <p:txBody>
+          <a:bodyPr/>
+          <a:lstStyle/>
+          <a:p>
+            <a:fld id="{5316306D-225D-467A-91F3-5242B413A4AD}" type="slidenum">
+              <a:rPr lang="en-US" smtClean="0"/>
+              <a:pPr/>
+              <a:t>21</a:t>
+            </a:fld>
+            <a:endParaRPr lang="en-US" dirty="0">
+              <a:latin typeface="Times New Roman" panose="02020603050405020304" pitchFamily="18" charset="0"/>
+              <a:cs typeface="Times New Roman" panose="02020603050405020304" pitchFamily="18" charset="0"/>
+            </a:endParaRPr>
+          </a:p>
+        </p:txBody>
+      </p:sp>
+    </p:spTree>
+    <p:extLst>
+      <p:ext uri="{BB962C8B-B14F-4D97-AF65-F5344CB8AC3E}">
+        <p14:creationId xmlns:p14="http://schemas.microsoft.com/office/powerpoint/2010/main" val="665624762"/>
       </p:ext>
     </p:extLst>
   </p:cSld>
@@ -3680,6 +6015,40 @@
               <a:latin typeface="Times New Roman" panose="02020603050405020304" pitchFamily="18" charset="0"/>
               <a:cs typeface="Times New Roman" panose="02020603050405020304" pitchFamily="18" charset="0"/>
             </a:endParaRPr>
+          </a:p>
+        </p:txBody>
+      </p:sp>
+      <p:sp>
+        <p:nvSpPr>
+          <p:cNvPr id="4" name="Slide Number Placeholder 3">
+            <a:extLst>
+              <a:ext uri="{FF2B5EF4-FFF2-40B4-BE49-F238E27FC236}">
+                <a16:creationId xmlns:a16="http://schemas.microsoft.com/office/drawing/2014/main" id="{F93E8024-55BA-4461-8BCF-63BAA0328F61}"/>
+              </a:ext>
+            </a:extLst>
+          </p:cNvPr>
+          <p:cNvSpPr>
+            <a:spLocks noGrp="1"/>
+          </p:cNvSpPr>
+          <p:nvPr>
+            <p:ph type="sldNum" sz="quarter" idx="12"/>
+          </p:nvPr>
+        </p:nvSpPr>
+        <p:spPr>
+          <a:xfrm>
+            <a:off x="8610600" y="6356350"/>
+            <a:ext cx="2743200" cy="365125"/>
+          </a:xfrm>
+        </p:spPr>
+        <p:txBody>
+          <a:bodyPr/>
+          <a:lstStyle/>
+          <a:p>
+            <a:fld id="{5316306D-225D-467A-91F3-5242B413A4AD}" type="slidenum">
+              <a:rPr lang="en-US" smtClean="0"/>
+              <a:t>3</a:t>
+            </a:fld>
+            <a:endParaRPr lang="en-US"/>
           </a:p>
         </p:txBody>
       </p:sp>
@@ -3816,10 +6185,1442 @@
           </a:prstGeom>
         </p:spPr>
       </p:pic>
+      <p:sp>
+        <p:nvSpPr>
+          <p:cNvPr id="3" name="Slide Number Placeholder 2">
+            <a:extLst>
+              <a:ext uri="{FF2B5EF4-FFF2-40B4-BE49-F238E27FC236}">
+                <a16:creationId xmlns:a16="http://schemas.microsoft.com/office/drawing/2014/main" id="{4BF49A8D-32AD-44AC-A5C8-A6495E50E9E8}"/>
+              </a:ext>
+            </a:extLst>
+          </p:cNvPr>
+          <p:cNvSpPr>
+            <a:spLocks noGrp="1"/>
+          </p:cNvSpPr>
+          <p:nvPr>
+            <p:ph type="sldNum" sz="quarter" idx="12"/>
+          </p:nvPr>
+        </p:nvSpPr>
+        <p:spPr>
+          <a:xfrm>
+            <a:off x="8610600" y="6356350"/>
+            <a:ext cx="2743200" cy="365125"/>
+          </a:xfrm>
+        </p:spPr>
+        <p:txBody>
+          <a:bodyPr/>
+          <a:lstStyle/>
+          <a:p>
+            <a:fld id="{5316306D-225D-467A-91F3-5242B413A4AD}" type="slidenum">
+              <a:rPr lang="en-US" smtClean="0"/>
+              <a:t>4</a:t>
+            </a:fld>
+            <a:endParaRPr lang="en-US"/>
+          </a:p>
+        </p:txBody>
+      </p:sp>
     </p:spTree>
     <p:extLst>
       <p:ext uri="{BB962C8B-B14F-4D97-AF65-F5344CB8AC3E}">
         <p14:creationId xmlns:p14="http://schemas.microsoft.com/office/powerpoint/2010/main" val="2384038437"/>
+      </p:ext>
+    </p:extLst>
+  </p:cSld>
+  <p:clrMapOvr>
+    <a:masterClrMapping/>
+  </p:clrMapOvr>
+</p:sld>
+</file>
+
+<file path=ppt/slides/slide5.xml><?xml version="1.0" encoding="utf-8"?>
+<p:sld xmlns:a="http://schemas.openxmlformats.org/drawingml/2006/main" xmlns:r="http://schemas.openxmlformats.org/officeDocument/2006/relationships" xmlns:p="http://schemas.openxmlformats.org/presentationml/2006/main">
+  <p:cSld>
+    <p:spTree>
+      <p:nvGrpSpPr>
+        <p:cNvPr id="1" name=""/>
+        <p:cNvGrpSpPr/>
+        <p:nvPr/>
+      </p:nvGrpSpPr>
+      <p:grpSpPr>
+        <a:xfrm>
+          <a:off x="0" y="0"/>
+          <a:ext cx="0" cy="0"/>
+          <a:chOff x="0" y="0"/>
+          <a:chExt cx="0" cy="0"/>
+        </a:xfrm>
+      </p:grpSpPr>
+      <p:sp>
+        <p:nvSpPr>
+          <p:cNvPr id="2" name="Title 1">
+            <a:extLst>
+              <a:ext uri="{FF2B5EF4-FFF2-40B4-BE49-F238E27FC236}">
+                <a16:creationId xmlns:a16="http://schemas.microsoft.com/office/drawing/2014/main" id="{1E79760F-A01F-4E33-AA5F-6E42C6B9BC74}"/>
+              </a:ext>
+            </a:extLst>
+          </p:cNvPr>
+          <p:cNvSpPr>
+            <a:spLocks noGrp="1"/>
+          </p:cNvSpPr>
+          <p:nvPr>
+            <p:ph type="title"/>
+          </p:nvPr>
+        </p:nvSpPr>
+        <p:spPr>
+          <a:xfrm>
+            <a:off x="838200" y="1486003"/>
+            <a:ext cx="10515600" cy="1325563"/>
+          </a:xfrm>
+        </p:spPr>
+        <p:txBody>
+          <a:bodyPr/>
+          <a:lstStyle/>
+          <a:p>
+            <a:pPr algn="ctr"/>
+            <a:r>
+              <a:rPr lang="en-US" dirty="0">
+                <a:latin typeface="Times New Roman" panose="02020603050405020304" pitchFamily="18" charset="0"/>
+                <a:cs typeface="Times New Roman" panose="02020603050405020304" pitchFamily="18" charset="0"/>
+              </a:rPr>
+              <a:t>The Raspberry Pi is a great platform on which to learn </a:t>
+            </a:r>
+            <a:r>
+              <a:rPr lang="en-US" b="1" dirty="0">
+                <a:latin typeface="Times New Roman" panose="02020603050405020304" pitchFamily="18" charset="0"/>
+                <a:cs typeface="Times New Roman" panose="02020603050405020304" pitchFamily="18" charset="0"/>
+              </a:rPr>
+              <a:t>Linux</a:t>
+            </a:r>
+            <a:r>
+              <a:rPr lang="en-US" dirty="0">
+                <a:latin typeface="Times New Roman" panose="02020603050405020304" pitchFamily="18" charset="0"/>
+                <a:cs typeface="Times New Roman" panose="02020603050405020304" pitchFamily="18" charset="0"/>
+              </a:rPr>
+              <a:t> and </a:t>
+            </a:r>
+            <a:r>
+              <a:rPr lang="en-US" b="1" dirty="0">
+                <a:latin typeface="Times New Roman" panose="02020603050405020304" pitchFamily="18" charset="0"/>
+                <a:cs typeface="Times New Roman" panose="02020603050405020304" pitchFamily="18" charset="0"/>
+              </a:rPr>
+              <a:t>programming</a:t>
+            </a:r>
+          </a:p>
+        </p:txBody>
+      </p:sp>
+      <p:pic>
+        <p:nvPicPr>
+          <p:cNvPr id="4" name="Picture 3">
+            <a:extLst>
+              <a:ext uri="{FF2B5EF4-FFF2-40B4-BE49-F238E27FC236}">
+                <a16:creationId xmlns:a16="http://schemas.microsoft.com/office/drawing/2014/main" id="{557B3564-1654-41EE-8AB5-BAFD4D45A1CC}"/>
+              </a:ext>
+            </a:extLst>
+          </p:cNvPr>
+          <p:cNvPicPr>
+            <a:picLocks noChangeAspect="1"/>
+          </p:cNvPicPr>
+          <p:nvPr/>
+        </p:nvPicPr>
+        <p:blipFill>
+          <a:blip r:embed="rId2">
+            <a:extLst>
+              <a:ext uri="{28A0092B-C50C-407E-A947-70E740481C1C}">
+                <a14:useLocalDpi xmlns:a14="http://schemas.microsoft.com/office/drawing/2010/main" val="0"/>
+              </a:ext>
+            </a:extLst>
+          </a:blip>
+          <a:stretch>
+            <a:fillRect/>
+          </a:stretch>
+        </p:blipFill>
+        <p:spPr>
+          <a:xfrm>
+            <a:off x="722564" y="3429000"/>
+            <a:ext cx="2632472" cy="3117286"/>
+          </a:xfrm>
+          <a:prstGeom prst="rect">
+            <a:avLst/>
+          </a:prstGeom>
+        </p:spPr>
+      </p:pic>
+      <p:pic>
+        <p:nvPicPr>
+          <p:cNvPr id="6" name="Picture 5">
+            <a:extLst>
+              <a:ext uri="{FF2B5EF4-FFF2-40B4-BE49-F238E27FC236}">
+                <a16:creationId xmlns:a16="http://schemas.microsoft.com/office/drawing/2014/main" id="{82F08E0A-DC08-4064-8839-3A4B833632E1}"/>
+              </a:ext>
+            </a:extLst>
+          </p:cNvPr>
+          <p:cNvPicPr>
+            <a:picLocks noChangeAspect="1"/>
+          </p:cNvPicPr>
+          <p:nvPr/>
+        </p:nvPicPr>
+        <p:blipFill>
+          <a:blip r:embed="rId3">
+            <a:extLst>
+              <a:ext uri="{28A0092B-C50C-407E-A947-70E740481C1C}">
+                <a14:useLocalDpi xmlns:a14="http://schemas.microsoft.com/office/drawing/2010/main" val="0"/>
+              </a:ext>
+            </a:extLst>
+          </a:blip>
+          <a:stretch>
+            <a:fillRect/>
+          </a:stretch>
+        </p:blipFill>
+        <p:spPr>
+          <a:xfrm>
+            <a:off x="4441356" y="4046435"/>
+            <a:ext cx="1654644" cy="1654644"/>
+          </a:xfrm>
+          <a:prstGeom prst="rect">
+            <a:avLst/>
+          </a:prstGeom>
+        </p:spPr>
+      </p:pic>
+      <p:pic>
+        <p:nvPicPr>
+          <p:cNvPr id="8" name="Picture 7">
+            <a:extLst>
+              <a:ext uri="{FF2B5EF4-FFF2-40B4-BE49-F238E27FC236}">
+                <a16:creationId xmlns:a16="http://schemas.microsoft.com/office/drawing/2014/main" id="{D7FC13EA-081B-4C19-973C-D595F2342279}"/>
+              </a:ext>
+            </a:extLst>
+          </p:cNvPr>
+          <p:cNvPicPr>
+            <a:picLocks noChangeAspect="1"/>
+          </p:cNvPicPr>
+          <p:nvPr/>
+        </p:nvPicPr>
+        <p:blipFill>
+          <a:blip r:embed="rId4">
+            <a:extLst>
+              <a:ext uri="{28A0092B-C50C-407E-A947-70E740481C1C}">
+                <a14:useLocalDpi xmlns:a14="http://schemas.microsoft.com/office/drawing/2010/main" val="0"/>
+              </a:ext>
+            </a:extLst>
+          </a:blip>
+          <a:stretch>
+            <a:fillRect/>
+          </a:stretch>
+        </p:blipFill>
+        <p:spPr>
+          <a:xfrm>
+            <a:off x="7351973" y="3429000"/>
+            <a:ext cx="4080753" cy="2723903"/>
+          </a:xfrm>
+          <a:prstGeom prst="rect">
+            <a:avLst/>
+          </a:prstGeom>
+        </p:spPr>
+      </p:pic>
+      <p:sp>
+        <p:nvSpPr>
+          <p:cNvPr id="9" name="Slide Number Placeholder 8">
+            <a:extLst>
+              <a:ext uri="{FF2B5EF4-FFF2-40B4-BE49-F238E27FC236}">
+                <a16:creationId xmlns:a16="http://schemas.microsoft.com/office/drawing/2014/main" id="{02C6DC99-BD53-4DC0-A1BC-CB8CE62CABE8}"/>
+              </a:ext>
+            </a:extLst>
+          </p:cNvPr>
+          <p:cNvSpPr>
+            <a:spLocks noGrp="1"/>
+          </p:cNvSpPr>
+          <p:nvPr>
+            <p:ph type="sldNum" sz="quarter" idx="12"/>
+          </p:nvPr>
+        </p:nvSpPr>
+        <p:spPr/>
+        <p:txBody>
+          <a:bodyPr/>
+          <a:lstStyle/>
+          <a:p>
+            <a:fld id="{5316306D-225D-467A-91F3-5242B413A4AD}" type="slidenum">
+              <a:rPr lang="en-US" smtClean="0"/>
+              <a:t>5</a:t>
+            </a:fld>
+            <a:endParaRPr lang="en-US"/>
+          </a:p>
+        </p:txBody>
+      </p:sp>
+    </p:spTree>
+    <p:extLst>
+      <p:ext uri="{BB962C8B-B14F-4D97-AF65-F5344CB8AC3E}">
+        <p14:creationId xmlns:p14="http://schemas.microsoft.com/office/powerpoint/2010/main" val="733155872"/>
+      </p:ext>
+    </p:extLst>
+  </p:cSld>
+  <p:clrMapOvr>
+    <a:masterClrMapping/>
+  </p:clrMapOvr>
+</p:sld>
+</file>
+
+<file path=ppt/slides/slide6.xml><?xml version="1.0" encoding="utf-8"?>
+<p:sld xmlns:a="http://schemas.openxmlformats.org/drawingml/2006/main" xmlns:r="http://schemas.openxmlformats.org/officeDocument/2006/relationships" xmlns:p="http://schemas.openxmlformats.org/presentationml/2006/main">
+  <p:cSld>
+    <p:spTree>
+      <p:nvGrpSpPr>
+        <p:cNvPr id="1" name=""/>
+        <p:cNvGrpSpPr/>
+        <p:nvPr/>
+      </p:nvGrpSpPr>
+      <p:grpSpPr>
+        <a:xfrm>
+          <a:off x="0" y="0"/>
+          <a:ext cx="0" cy="0"/>
+          <a:chOff x="0" y="0"/>
+          <a:chExt cx="0" cy="0"/>
+        </a:xfrm>
+      </p:grpSpPr>
+      <p:sp>
+        <p:nvSpPr>
+          <p:cNvPr id="2" name="Title 1">
+            <a:extLst>
+              <a:ext uri="{FF2B5EF4-FFF2-40B4-BE49-F238E27FC236}">
+                <a16:creationId xmlns:a16="http://schemas.microsoft.com/office/drawing/2014/main" id="{C4EE180F-7096-493E-AC8C-A74D85EA6BC9}"/>
+              </a:ext>
+            </a:extLst>
+          </p:cNvPr>
+          <p:cNvSpPr>
+            <a:spLocks noGrp="1"/>
+          </p:cNvSpPr>
+          <p:nvPr>
+            <p:ph type="title"/>
+          </p:nvPr>
+        </p:nvSpPr>
+        <p:spPr>
+          <a:xfrm>
+            <a:off x="838200" y="291383"/>
+            <a:ext cx="10515600" cy="1994617"/>
+          </a:xfrm>
+        </p:spPr>
+        <p:txBody>
+          <a:bodyPr>
+            <a:normAutofit/>
+          </a:bodyPr>
+          <a:lstStyle/>
+          <a:p>
+            <a:pPr algn="just"/>
+            <a:r>
+              <a:rPr lang="en-US" sz="3200" dirty="0">
+                <a:latin typeface="Times New Roman" panose="02020603050405020304" pitchFamily="18" charset="0"/>
+                <a:cs typeface="Times New Roman" panose="02020603050405020304" pitchFamily="18" charset="0"/>
+              </a:rPr>
+              <a:t>It's also a powerful solution for many </a:t>
+            </a:r>
+            <a:r>
+              <a:rPr lang="en-US" sz="3200" b="1" dirty="0">
+                <a:solidFill>
+                  <a:srgbClr val="FF0000"/>
+                </a:solidFill>
+                <a:latin typeface="Times New Roman" panose="02020603050405020304" pitchFamily="18" charset="0"/>
+                <a:cs typeface="Times New Roman" panose="02020603050405020304" pitchFamily="18" charset="0"/>
+              </a:rPr>
+              <a:t>"Internet-of-Things"</a:t>
+            </a:r>
+            <a:r>
+              <a:rPr lang="en-US" sz="3200" dirty="0">
+                <a:latin typeface="Times New Roman" panose="02020603050405020304" pitchFamily="18" charset="0"/>
+                <a:cs typeface="Times New Roman" panose="02020603050405020304" pitchFamily="18" charset="0"/>
+              </a:rPr>
+              <a:t> projects out there, because it's so easy to get connected to the Internet. It can run Python scripts, or even compile programs written in C. It's a full-blown computer!</a:t>
+            </a:r>
+          </a:p>
+        </p:txBody>
+      </p:sp>
+      <p:pic>
+        <p:nvPicPr>
+          <p:cNvPr id="4" name="Picture 3">
+            <a:extLst>
+              <a:ext uri="{FF2B5EF4-FFF2-40B4-BE49-F238E27FC236}">
+                <a16:creationId xmlns:a16="http://schemas.microsoft.com/office/drawing/2014/main" id="{23098F37-71B1-4895-B5E0-0F6185A86523}"/>
+              </a:ext>
+            </a:extLst>
+          </p:cNvPr>
+          <p:cNvPicPr>
+            <a:picLocks noChangeAspect="1"/>
+          </p:cNvPicPr>
+          <p:nvPr/>
+        </p:nvPicPr>
+        <p:blipFill>
+          <a:blip r:embed="rId2">
+            <a:extLst>
+              <a:ext uri="{28A0092B-C50C-407E-A947-70E740481C1C}">
+                <a14:useLocalDpi xmlns:a14="http://schemas.microsoft.com/office/drawing/2010/main" val="0"/>
+              </a:ext>
+            </a:extLst>
+          </a:blip>
+          <a:stretch>
+            <a:fillRect/>
+          </a:stretch>
+        </p:blipFill>
+        <p:spPr>
+          <a:xfrm>
+            <a:off x="2998839" y="2405831"/>
+            <a:ext cx="5776452" cy="4332339"/>
+          </a:xfrm>
+          <a:prstGeom prst="rect">
+            <a:avLst/>
+          </a:prstGeom>
+        </p:spPr>
+      </p:pic>
+      <p:sp>
+        <p:nvSpPr>
+          <p:cNvPr id="5" name="Slide Number Placeholder 4">
+            <a:extLst>
+              <a:ext uri="{FF2B5EF4-FFF2-40B4-BE49-F238E27FC236}">
+                <a16:creationId xmlns:a16="http://schemas.microsoft.com/office/drawing/2014/main" id="{05F528AB-9763-4871-90F0-A552952A3491}"/>
+              </a:ext>
+            </a:extLst>
+          </p:cNvPr>
+          <p:cNvSpPr>
+            <a:spLocks noGrp="1"/>
+          </p:cNvSpPr>
+          <p:nvPr>
+            <p:ph type="sldNum" sz="quarter" idx="12"/>
+          </p:nvPr>
+        </p:nvSpPr>
+        <p:spPr/>
+        <p:txBody>
+          <a:bodyPr/>
+          <a:lstStyle/>
+          <a:p>
+            <a:fld id="{5316306D-225D-467A-91F3-5242B413A4AD}" type="slidenum">
+              <a:rPr lang="en-US" smtClean="0"/>
+              <a:t>6</a:t>
+            </a:fld>
+            <a:endParaRPr lang="en-US"/>
+          </a:p>
+        </p:txBody>
+      </p:sp>
+    </p:spTree>
+    <p:extLst>
+      <p:ext uri="{BB962C8B-B14F-4D97-AF65-F5344CB8AC3E}">
+        <p14:creationId xmlns:p14="http://schemas.microsoft.com/office/powerpoint/2010/main" val="4250766512"/>
+      </p:ext>
+    </p:extLst>
+  </p:cSld>
+  <p:clrMapOvr>
+    <a:masterClrMapping/>
+  </p:clrMapOvr>
+</p:sld>
+</file>
+
+<file path=ppt/slides/slide7.xml><?xml version="1.0" encoding="utf-8"?>
+<p:sld xmlns:a="http://schemas.openxmlformats.org/drawingml/2006/main" xmlns:r="http://schemas.openxmlformats.org/officeDocument/2006/relationships" xmlns:p="http://schemas.openxmlformats.org/presentationml/2006/main">
+  <p:cSld>
+    <p:spTree>
+      <p:nvGrpSpPr>
+        <p:cNvPr id="1" name=""/>
+        <p:cNvGrpSpPr/>
+        <p:nvPr/>
+      </p:nvGrpSpPr>
+      <p:grpSpPr>
+        <a:xfrm>
+          <a:off x="0" y="0"/>
+          <a:ext cx="0" cy="0"/>
+          <a:chOff x="0" y="0"/>
+          <a:chExt cx="0" cy="0"/>
+        </a:xfrm>
+      </p:grpSpPr>
+      <p:sp>
+        <p:nvSpPr>
+          <p:cNvPr id="2" name="Title 1">
+            <a:extLst>
+              <a:ext uri="{FF2B5EF4-FFF2-40B4-BE49-F238E27FC236}">
+                <a16:creationId xmlns:a16="http://schemas.microsoft.com/office/drawing/2014/main" id="{DBD5BD9E-006E-42FC-8A3D-CB6ED779A6C6}"/>
+              </a:ext>
+            </a:extLst>
+          </p:cNvPr>
+          <p:cNvSpPr>
+            <a:spLocks noGrp="1"/>
+          </p:cNvSpPr>
+          <p:nvPr>
+            <p:ph type="title"/>
+          </p:nvPr>
+        </p:nvSpPr>
+        <p:spPr/>
+        <p:txBody>
+          <a:bodyPr/>
+          <a:lstStyle/>
+          <a:p>
+            <a:r>
+              <a:rPr lang="en-US" dirty="0">
+                <a:latin typeface="Times New Roman" panose="02020603050405020304" pitchFamily="18" charset="0"/>
+                <a:cs typeface="Times New Roman" panose="02020603050405020304" pitchFamily="18" charset="0"/>
+              </a:rPr>
+              <a:t>Required Materials</a:t>
+            </a:r>
+          </a:p>
+        </p:txBody>
+      </p:sp>
+      <p:pic>
+        <p:nvPicPr>
+          <p:cNvPr id="8" name="Content Placeholder 7">
+            <a:extLst>
+              <a:ext uri="{FF2B5EF4-FFF2-40B4-BE49-F238E27FC236}">
+                <a16:creationId xmlns:a16="http://schemas.microsoft.com/office/drawing/2014/main" id="{3FBFEE40-C916-488A-BD99-5AA40DD43BC2}"/>
+              </a:ext>
+            </a:extLst>
+          </p:cNvPr>
+          <p:cNvPicPr>
+            <a:picLocks noGrp="1" noChangeAspect="1"/>
+          </p:cNvPicPr>
+          <p:nvPr>
+            <p:ph idx="1"/>
+          </p:nvPr>
+        </p:nvPicPr>
+        <p:blipFill>
+          <a:blip r:embed="rId2">
+            <a:extLst>
+              <a:ext uri="{28A0092B-C50C-407E-A947-70E740481C1C}">
+                <a14:useLocalDpi xmlns:a14="http://schemas.microsoft.com/office/drawing/2010/main" val="0"/>
+              </a:ext>
+            </a:extLst>
+          </a:blip>
+          <a:stretch>
+            <a:fillRect/>
+          </a:stretch>
+        </p:blipFill>
+        <p:spPr>
+          <a:xfrm>
+            <a:off x="3920331" y="1825625"/>
+            <a:ext cx="4351338" cy="4351338"/>
+          </a:xfrm>
+        </p:spPr>
+      </p:pic>
+      <p:sp>
+        <p:nvSpPr>
+          <p:cNvPr id="4" name="Slide Number Placeholder 3">
+            <a:extLst>
+              <a:ext uri="{FF2B5EF4-FFF2-40B4-BE49-F238E27FC236}">
+                <a16:creationId xmlns:a16="http://schemas.microsoft.com/office/drawing/2014/main" id="{C5CB2D5A-23A0-42F8-8AC9-DAE73F4F06C2}"/>
+              </a:ext>
+            </a:extLst>
+          </p:cNvPr>
+          <p:cNvSpPr>
+            <a:spLocks noGrp="1"/>
+          </p:cNvSpPr>
+          <p:nvPr>
+            <p:ph type="sldNum" sz="quarter" idx="12"/>
+          </p:nvPr>
+        </p:nvSpPr>
+        <p:spPr/>
+        <p:txBody>
+          <a:bodyPr/>
+          <a:lstStyle/>
+          <a:p>
+            <a:fld id="{5316306D-225D-467A-91F3-5242B413A4AD}" type="slidenum">
+              <a:rPr lang="en-US" smtClean="0"/>
+              <a:pPr/>
+              <a:t>7</a:t>
+            </a:fld>
+            <a:endParaRPr lang="en-US" dirty="0">
+              <a:latin typeface="Times New Roman" panose="02020603050405020304" pitchFamily="18" charset="0"/>
+              <a:cs typeface="Times New Roman" panose="02020603050405020304" pitchFamily="18" charset="0"/>
+            </a:endParaRPr>
+          </a:p>
+        </p:txBody>
+      </p:sp>
+    </p:spTree>
+    <p:extLst>
+      <p:ext uri="{BB962C8B-B14F-4D97-AF65-F5344CB8AC3E}">
+        <p14:creationId xmlns:p14="http://schemas.microsoft.com/office/powerpoint/2010/main" val="39760726"/>
+      </p:ext>
+    </p:extLst>
+  </p:cSld>
+  <p:clrMapOvr>
+    <a:masterClrMapping/>
+  </p:clrMapOvr>
+</p:sld>
+</file>
+
+<file path=ppt/slides/slide8.xml><?xml version="1.0" encoding="utf-8"?>
+<p:sld xmlns:a="http://schemas.openxmlformats.org/drawingml/2006/main" xmlns:r="http://schemas.openxmlformats.org/officeDocument/2006/relationships" xmlns:p="http://schemas.openxmlformats.org/presentationml/2006/main">
+  <p:cSld>
+    <p:spTree>
+      <p:nvGrpSpPr>
+        <p:cNvPr id="1" name=""/>
+        <p:cNvGrpSpPr/>
+        <p:nvPr/>
+      </p:nvGrpSpPr>
+      <p:grpSpPr>
+        <a:xfrm>
+          <a:off x="0" y="0"/>
+          <a:ext cx="0" cy="0"/>
+          <a:chOff x="0" y="0"/>
+          <a:chExt cx="0" cy="0"/>
+        </a:xfrm>
+      </p:grpSpPr>
+      <p:sp>
+        <p:nvSpPr>
+          <p:cNvPr id="2" name="Title 1">
+            <a:extLst>
+              <a:ext uri="{FF2B5EF4-FFF2-40B4-BE49-F238E27FC236}">
+                <a16:creationId xmlns:a16="http://schemas.microsoft.com/office/drawing/2014/main" id="{9B93C91F-4E1F-495F-A8B2-53D28A05E837}"/>
+              </a:ext>
+            </a:extLst>
+          </p:cNvPr>
+          <p:cNvSpPr>
+            <a:spLocks noGrp="1"/>
+          </p:cNvSpPr>
+          <p:nvPr>
+            <p:ph type="title"/>
+          </p:nvPr>
+        </p:nvSpPr>
+        <p:spPr/>
+        <p:txBody>
+          <a:bodyPr/>
+          <a:lstStyle/>
+          <a:p>
+            <a:r>
+              <a:rPr lang="en-US" dirty="0">
+                <a:latin typeface="Times New Roman" panose="02020603050405020304" pitchFamily="18" charset="0"/>
+                <a:cs typeface="Times New Roman" panose="02020603050405020304" pitchFamily="18" charset="0"/>
+              </a:rPr>
+              <a:t>Required Materials</a:t>
+            </a:r>
+            <a:endParaRPr lang="en-US" dirty="0"/>
+          </a:p>
+        </p:txBody>
+      </p:sp>
+      <p:sp>
+        <p:nvSpPr>
+          <p:cNvPr id="3" name="Content Placeholder 2">
+            <a:extLst>
+              <a:ext uri="{FF2B5EF4-FFF2-40B4-BE49-F238E27FC236}">
+                <a16:creationId xmlns:a16="http://schemas.microsoft.com/office/drawing/2014/main" id="{F04DFFC0-779B-456A-B0D1-743025E19EB0}"/>
+              </a:ext>
+            </a:extLst>
+          </p:cNvPr>
+          <p:cNvSpPr>
+            <a:spLocks noGrp="1"/>
+          </p:cNvSpPr>
+          <p:nvPr>
+            <p:ph idx="1"/>
+          </p:nvPr>
+        </p:nvSpPr>
+        <p:spPr/>
+        <p:txBody>
+          <a:bodyPr>
+            <a:normAutofit fontScale="70000" lnSpcReduction="20000"/>
+          </a:bodyPr>
+          <a:lstStyle/>
+          <a:p>
+            <a:pPr algn="l">
+              <a:buFont typeface="Arial" panose="020B0604020202020204" pitchFamily="34" charset="0"/>
+              <a:buChar char="•"/>
+            </a:pPr>
+            <a:r>
+              <a:rPr lang="en-US" b="0" i="0" u="none" strike="noStrike" dirty="0">
+                <a:solidFill>
+                  <a:srgbClr val="E0311D"/>
+                </a:solidFill>
+                <a:effectLst/>
+                <a:latin typeface="Times New Roman" panose="02020603050405020304" pitchFamily="18" charset="0"/>
+                <a:cs typeface="Times New Roman" panose="02020603050405020304" pitchFamily="18" charset="0"/>
+                <a:hlinkClick r:id="rId2"/>
+              </a:rPr>
+              <a:t>Raspberry Pi Model B</a:t>
+            </a:r>
+            <a:r>
+              <a:rPr lang="en-US" b="0" i="0" dirty="0">
+                <a:solidFill>
+                  <a:srgbClr val="333333"/>
+                </a:solidFill>
+                <a:effectLst/>
+                <a:latin typeface="Times New Roman" panose="02020603050405020304" pitchFamily="18" charset="0"/>
+                <a:cs typeface="Times New Roman" panose="02020603050405020304" pitchFamily="18" charset="0"/>
+              </a:rPr>
+              <a:t> or </a:t>
+            </a:r>
+            <a:r>
+              <a:rPr lang="en-US" b="0" i="0" u="none" strike="noStrike" dirty="0">
+                <a:solidFill>
+                  <a:srgbClr val="E0311D"/>
+                </a:solidFill>
+                <a:effectLst/>
+                <a:latin typeface="Times New Roman" panose="02020603050405020304" pitchFamily="18" charset="0"/>
+                <a:cs typeface="Times New Roman" panose="02020603050405020304" pitchFamily="18" charset="0"/>
+                <a:hlinkClick r:id="rId3"/>
+              </a:rPr>
+              <a:t>Model A</a:t>
+            </a:r>
+            <a:r>
+              <a:rPr lang="en-US" b="0" i="0" dirty="0">
+                <a:solidFill>
+                  <a:srgbClr val="333333"/>
+                </a:solidFill>
+                <a:effectLst/>
+                <a:latin typeface="Times New Roman" panose="02020603050405020304" pitchFamily="18" charset="0"/>
+                <a:cs typeface="Times New Roman" panose="02020603050405020304" pitchFamily="18" charset="0"/>
+              </a:rPr>
+              <a:t> (has less RAM and no Ethernet)</a:t>
+            </a:r>
+          </a:p>
+          <a:p>
+            <a:pPr algn="l">
+              <a:buFont typeface="Arial" panose="020B0604020202020204" pitchFamily="34" charset="0"/>
+              <a:buChar char="•"/>
+            </a:pPr>
+            <a:r>
+              <a:rPr lang="en-US" b="0" i="0" dirty="0">
+                <a:solidFill>
+                  <a:srgbClr val="333333"/>
+                </a:solidFill>
+                <a:effectLst/>
+                <a:latin typeface="Times New Roman" panose="02020603050405020304" pitchFamily="18" charset="0"/>
+                <a:cs typeface="Times New Roman" panose="02020603050405020304" pitchFamily="18" charset="0"/>
+              </a:rPr>
+              <a:t>A </a:t>
+            </a:r>
+            <a:r>
+              <a:rPr lang="en-US" b="0" i="0" u="none" strike="noStrike" dirty="0">
+                <a:solidFill>
+                  <a:srgbClr val="E0311D"/>
+                </a:solidFill>
+                <a:effectLst/>
+                <a:latin typeface="Times New Roman" panose="02020603050405020304" pitchFamily="18" charset="0"/>
+                <a:cs typeface="Times New Roman" panose="02020603050405020304" pitchFamily="18" charset="0"/>
+                <a:hlinkClick r:id="rId4"/>
+              </a:rPr>
+              <a:t>5V power supply</a:t>
+            </a:r>
+            <a:r>
+              <a:rPr lang="en-US" b="0" i="0" dirty="0">
+                <a:solidFill>
+                  <a:srgbClr val="333333"/>
+                </a:solidFill>
+                <a:effectLst/>
+                <a:latin typeface="Times New Roman" panose="02020603050405020304" pitchFamily="18" charset="0"/>
+                <a:cs typeface="Times New Roman" panose="02020603050405020304" pitchFamily="18" charset="0"/>
+              </a:rPr>
+              <a:t> with a </a:t>
+            </a:r>
+            <a:r>
+              <a:rPr lang="en-US" b="0" i="0" u="none" strike="noStrike" dirty="0">
+                <a:solidFill>
+                  <a:srgbClr val="E0311D"/>
+                </a:solidFill>
+                <a:effectLst/>
+                <a:latin typeface="Times New Roman" panose="02020603050405020304" pitchFamily="18" charset="0"/>
+                <a:cs typeface="Times New Roman" panose="02020603050405020304" pitchFamily="18" charset="0"/>
+                <a:hlinkClick r:id="rId5"/>
+              </a:rPr>
+              <a:t>micro USB</a:t>
+            </a:r>
+            <a:r>
+              <a:rPr lang="en-US" b="0" i="0" dirty="0">
+                <a:solidFill>
+                  <a:srgbClr val="333333"/>
+                </a:solidFill>
+                <a:effectLst/>
+                <a:latin typeface="Times New Roman" panose="02020603050405020304" pitchFamily="18" charset="0"/>
+                <a:cs typeface="Times New Roman" panose="02020603050405020304" pitchFamily="18" charset="0"/>
+              </a:rPr>
+              <a:t> termination. The supply should be able to source </a:t>
+            </a:r>
+            <a:r>
+              <a:rPr lang="en-US" b="1" i="0" dirty="0">
+                <a:solidFill>
+                  <a:srgbClr val="333333"/>
+                </a:solidFill>
+                <a:effectLst/>
+                <a:latin typeface="Times New Roman" panose="02020603050405020304" pitchFamily="18" charset="0"/>
+                <a:cs typeface="Times New Roman" panose="02020603050405020304" pitchFamily="18" charset="0"/>
+              </a:rPr>
+              <a:t>at least 700mA</a:t>
+            </a:r>
+            <a:r>
+              <a:rPr lang="en-US" b="0" i="0" dirty="0">
+                <a:solidFill>
+                  <a:srgbClr val="333333"/>
+                </a:solidFill>
+                <a:effectLst/>
+                <a:latin typeface="Times New Roman" panose="02020603050405020304" pitchFamily="18" charset="0"/>
+                <a:cs typeface="Times New Roman" panose="02020603050405020304" pitchFamily="18" charset="0"/>
+              </a:rPr>
+              <a:t>. Most phone chargers (with micro USB cables) should work.</a:t>
+            </a:r>
+          </a:p>
+          <a:p>
+            <a:pPr algn="l">
+              <a:buFont typeface="Arial" panose="020B0604020202020204" pitchFamily="34" charset="0"/>
+              <a:buChar char="•"/>
+            </a:pPr>
+            <a:r>
+              <a:rPr lang="en-US" b="0" i="0" dirty="0">
+                <a:solidFill>
+                  <a:srgbClr val="333333"/>
+                </a:solidFill>
+                <a:effectLst/>
+                <a:latin typeface="Times New Roman" panose="02020603050405020304" pitchFamily="18" charset="0"/>
+                <a:cs typeface="Times New Roman" panose="02020603050405020304" pitchFamily="18" charset="0"/>
+              </a:rPr>
+              <a:t>An </a:t>
+            </a:r>
+            <a:r>
+              <a:rPr lang="en-US" b="0" i="0" u="none" strike="noStrike" dirty="0">
+                <a:solidFill>
+                  <a:srgbClr val="E0311D"/>
+                </a:solidFill>
+                <a:effectLst/>
+                <a:latin typeface="Times New Roman" panose="02020603050405020304" pitchFamily="18" charset="0"/>
+                <a:cs typeface="Times New Roman" panose="02020603050405020304" pitchFamily="18" charset="0"/>
+                <a:hlinkClick r:id="rId6"/>
+              </a:rPr>
+              <a:t>SD Card</a:t>
+            </a:r>
+            <a:r>
+              <a:rPr lang="en-US" b="0" i="0" dirty="0">
+                <a:solidFill>
+                  <a:srgbClr val="333333"/>
+                </a:solidFill>
+                <a:effectLst/>
+                <a:latin typeface="Times New Roman" panose="02020603050405020304" pitchFamily="18" charset="0"/>
+                <a:cs typeface="Times New Roman" panose="02020603050405020304" pitchFamily="18" charset="0"/>
+              </a:rPr>
+              <a:t> no smaller than 4GB, and no less than class 4.</a:t>
+            </a:r>
+          </a:p>
+          <a:p>
+            <a:pPr algn="l">
+              <a:buFont typeface="Arial" panose="020B0604020202020204" pitchFamily="34" charset="0"/>
+              <a:buChar char="•"/>
+            </a:pPr>
+            <a:r>
+              <a:rPr lang="en-US" b="0" i="0" dirty="0">
+                <a:solidFill>
+                  <a:srgbClr val="333333"/>
+                </a:solidFill>
+                <a:effectLst/>
+                <a:latin typeface="Times New Roman" panose="02020603050405020304" pitchFamily="18" charset="0"/>
+                <a:cs typeface="Times New Roman" panose="02020603050405020304" pitchFamily="18" charset="0"/>
+              </a:rPr>
+              <a:t>A </a:t>
+            </a:r>
+            <a:r>
+              <a:rPr lang="en-US" b="1" i="0" dirty="0">
+                <a:solidFill>
+                  <a:srgbClr val="333333"/>
+                </a:solidFill>
+                <a:effectLst/>
+                <a:latin typeface="Times New Roman" panose="02020603050405020304" pitchFamily="18" charset="0"/>
+                <a:cs typeface="Times New Roman" panose="02020603050405020304" pitchFamily="18" charset="0"/>
+              </a:rPr>
+              <a:t>USB keyboard</a:t>
+            </a:r>
+            <a:r>
+              <a:rPr lang="en-US" b="0" i="0" dirty="0">
+                <a:solidFill>
+                  <a:srgbClr val="333333"/>
+                </a:solidFill>
+                <a:effectLst/>
+                <a:latin typeface="Times New Roman" panose="02020603050405020304" pitchFamily="18" charset="0"/>
+                <a:cs typeface="Times New Roman" panose="02020603050405020304" pitchFamily="18" charset="0"/>
+              </a:rPr>
+              <a:t> and </a:t>
+            </a:r>
+            <a:r>
+              <a:rPr lang="en-US" b="1" i="0" dirty="0">
+                <a:solidFill>
+                  <a:srgbClr val="333333"/>
+                </a:solidFill>
+                <a:effectLst/>
+                <a:latin typeface="Times New Roman" panose="02020603050405020304" pitchFamily="18" charset="0"/>
+                <a:cs typeface="Times New Roman" panose="02020603050405020304" pitchFamily="18" charset="0"/>
+              </a:rPr>
+              <a:t>mouse</a:t>
+            </a:r>
+            <a:r>
+              <a:rPr lang="en-US" b="0" i="0" dirty="0">
+                <a:solidFill>
+                  <a:srgbClr val="333333"/>
+                </a:solidFill>
+                <a:effectLst/>
+                <a:latin typeface="Times New Roman" panose="02020603050405020304" pitchFamily="18" charset="0"/>
+                <a:cs typeface="Times New Roman" panose="02020603050405020304" pitchFamily="18" charset="0"/>
+              </a:rPr>
+              <a:t>.</a:t>
+            </a:r>
+          </a:p>
+          <a:p>
+            <a:pPr algn="l">
+              <a:buFont typeface="Arial" panose="020B0604020202020204" pitchFamily="34" charset="0"/>
+              <a:buChar char="•"/>
+            </a:pPr>
+            <a:r>
+              <a:rPr lang="en-US" b="0" i="0" dirty="0">
+                <a:solidFill>
+                  <a:srgbClr val="333333"/>
+                </a:solidFill>
+                <a:effectLst/>
+                <a:latin typeface="Times New Roman" panose="02020603050405020304" pitchFamily="18" charset="0"/>
+                <a:cs typeface="Times New Roman" panose="02020603050405020304" pitchFamily="18" charset="0"/>
+              </a:rPr>
+              <a:t>A </a:t>
+            </a:r>
+            <a:r>
+              <a:rPr lang="en-US" b="1" i="0" dirty="0">
+                <a:solidFill>
+                  <a:srgbClr val="333333"/>
+                </a:solidFill>
+                <a:effectLst/>
+                <a:latin typeface="Times New Roman" panose="02020603050405020304" pitchFamily="18" charset="0"/>
+                <a:cs typeface="Times New Roman" panose="02020603050405020304" pitchFamily="18" charset="0"/>
+              </a:rPr>
+              <a:t>display</a:t>
+            </a:r>
+            <a:r>
+              <a:rPr lang="en-US" b="0" i="0" dirty="0">
+                <a:solidFill>
+                  <a:srgbClr val="333333"/>
+                </a:solidFill>
+                <a:effectLst/>
+                <a:latin typeface="Times New Roman" panose="02020603050405020304" pitchFamily="18" charset="0"/>
+                <a:cs typeface="Times New Roman" panose="02020603050405020304" pitchFamily="18" charset="0"/>
+              </a:rPr>
+              <a:t> connected to either the </a:t>
+            </a:r>
+            <a:r>
+              <a:rPr lang="en-US" b="0" i="0" u="none" strike="noStrike" dirty="0">
+                <a:solidFill>
+                  <a:srgbClr val="E0311D"/>
+                </a:solidFill>
+                <a:effectLst/>
+                <a:latin typeface="Times New Roman" panose="02020603050405020304" pitchFamily="18" charset="0"/>
+                <a:cs typeface="Times New Roman" panose="02020603050405020304" pitchFamily="18" charset="0"/>
+                <a:hlinkClick r:id="rId7"/>
+              </a:rPr>
+              <a:t>HDMI</a:t>
+            </a:r>
+            <a:r>
+              <a:rPr lang="en-US" b="0" i="0" dirty="0">
+                <a:solidFill>
+                  <a:srgbClr val="333333"/>
+                </a:solidFill>
+                <a:effectLst/>
+                <a:latin typeface="Times New Roman" panose="02020603050405020304" pitchFamily="18" charset="0"/>
+                <a:cs typeface="Times New Roman" panose="02020603050405020304" pitchFamily="18" charset="0"/>
+              </a:rPr>
+              <a:t> or </a:t>
+            </a:r>
+            <a:r>
+              <a:rPr lang="en-US" b="0" i="0" u="none" strike="noStrike" dirty="0">
+                <a:solidFill>
+                  <a:srgbClr val="E0311D"/>
+                </a:solidFill>
+                <a:effectLst/>
+                <a:latin typeface="Times New Roman" panose="02020603050405020304" pitchFamily="18" charset="0"/>
+                <a:cs typeface="Times New Roman" panose="02020603050405020304" pitchFamily="18" charset="0"/>
+                <a:hlinkClick r:id="rId8"/>
+              </a:rPr>
+              <a:t>RCA composite video</a:t>
+            </a:r>
+            <a:r>
+              <a:rPr lang="en-US" b="0" i="0" dirty="0">
+                <a:solidFill>
+                  <a:srgbClr val="333333"/>
+                </a:solidFill>
+                <a:effectLst/>
+                <a:latin typeface="Times New Roman" panose="02020603050405020304" pitchFamily="18" charset="0"/>
+                <a:cs typeface="Times New Roman" panose="02020603050405020304" pitchFamily="18" charset="0"/>
+              </a:rPr>
+              <a:t> output.</a:t>
+            </a:r>
+          </a:p>
+          <a:p>
+            <a:pPr marL="742950" lvl="1" indent="-285750" algn="l">
+              <a:buFont typeface="Arial" panose="020B0604020202020204" pitchFamily="34" charset="0"/>
+              <a:buChar char="•"/>
+            </a:pPr>
+            <a:r>
+              <a:rPr lang="en-US" b="0" i="0" dirty="0">
+                <a:solidFill>
+                  <a:srgbClr val="333333"/>
+                </a:solidFill>
+                <a:effectLst/>
+                <a:latin typeface="Times New Roman" panose="02020603050405020304" pitchFamily="18" charset="0"/>
+                <a:cs typeface="Times New Roman" panose="02020603050405020304" pitchFamily="18" charset="0"/>
+              </a:rPr>
+              <a:t>If your monitor only has a VGA port, there are </a:t>
+            </a:r>
+            <a:r>
+              <a:rPr lang="en-US" b="0" i="0" u="none" strike="noStrike" dirty="0">
+                <a:solidFill>
+                  <a:srgbClr val="E0311D"/>
+                </a:solidFill>
+                <a:effectLst/>
+                <a:latin typeface="Times New Roman" panose="02020603050405020304" pitchFamily="18" charset="0"/>
+                <a:cs typeface="Times New Roman" panose="02020603050405020304" pitchFamily="18" charset="0"/>
+                <a:hlinkClick r:id="rId9"/>
+              </a:rPr>
+              <a:t>HDMI to VGA adapters</a:t>
+            </a:r>
+            <a:r>
+              <a:rPr lang="en-US" b="0" i="0" dirty="0">
+                <a:solidFill>
+                  <a:srgbClr val="333333"/>
+                </a:solidFill>
+                <a:effectLst/>
+                <a:latin typeface="Times New Roman" panose="02020603050405020304" pitchFamily="18" charset="0"/>
+                <a:cs typeface="Times New Roman" panose="02020603050405020304" pitchFamily="18" charset="0"/>
+              </a:rPr>
+              <a:t> to convert between the two. (You may need a beefier power supply if you're using that.)</a:t>
+            </a:r>
+          </a:p>
+          <a:p>
+            <a:pPr marL="742950" lvl="1" indent="-285750" algn="l">
+              <a:buFont typeface="Arial" panose="020B0604020202020204" pitchFamily="34" charset="0"/>
+              <a:buChar char="•"/>
+            </a:pPr>
+            <a:r>
+              <a:rPr lang="en-US" b="0" i="0" dirty="0">
+                <a:solidFill>
+                  <a:srgbClr val="333333"/>
+                </a:solidFill>
+                <a:effectLst/>
+                <a:latin typeface="Times New Roman" panose="02020603050405020304" pitchFamily="18" charset="0"/>
+                <a:cs typeface="Times New Roman" panose="02020603050405020304" pitchFamily="18" charset="0"/>
+              </a:rPr>
+              <a:t>If your monitor only has DVI, converting from HDMI is easy with an </a:t>
+            </a:r>
+            <a:r>
+              <a:rPr lang="en-US" b="0" i="0" u="none" strike="noStrike" dirty="0">
+                <a:solidFill>
+                  <a:srgbClr val="E0311D"/>
+                </a:solidFill>
+                <a:effectLst/>
+                <a:latin typeface="Times New Roman" panose="02020603050405020304" pitchFamily="18" charset="0"/>
+                <a:cs typeface="Times New Roman" panose="02020603050405020304" pitchFamily="18" charset="0"/>
+                <a:hlinkClick r:id="rId10"/>
+              </a:rPr>
+              <a:t>HDMI to DVI cable</a:t>
+            </a:r>
+            <a:r>
+              <a:rPr lang="en-US" b="0" i="0" dirty="0">
+                <a:solidFill>
+                  <a:srgbClr val="333333"/>
+                </a:solidFill>
+                <a:effectLst/>
+                <a:latin typeface="Times New Roman" panose="02020603050405020304" pitchFamily="18" charset="0"/>
+                <a:cs typeface="Times New Roman" panose="02020603050405020304" pitchFamily="18" charset="0"/>
+              </a:rPr>
+              <a:t>.</a:t>
+            </a:r>
+          </a:p>
+          <a:p>
+            <a:pPr algn="l">
+              <a:buFont typeface="Arial" panose="020B0604020202020204" pitchFamily="34" charset="0"/>
+              <a:buChar char="•"/>
+            </a:pPr>
+            <a:r>
+              <a:rPr lang="en-US" b="0" i="0" dirty="0">
+                <a:solidFill>
+                  <a:srgbClr val="333333"/>
+                </a:solidFill>
+                <a:effectLst/>
+                <a:latin typeface="Times New Roman" panose="02020603050405020304" pitchFamily="18" charset="0"/>
+                <a:cs typeface="Times New Roman" panose="02020603050405020304" pitchFamily="18" charset="0"/>
+              </a:rPr>
+              <a:t>An </a:t>
+            </a:r>
+            <a:r>
+              <a:rPr lang="en-US" b="1" i="0" dirty="0">
+                <a:solidFill>
+                  <a:srgbClr val="333333"/>
+                </a:solidFill>
+                <a:effectLst/>
+                <a:latin typeface="Times New Roman" panose="02020603050405020304" pitchFamily="18" charset="0"/>
+                <a:cs typeface="Times New Roman" panose="02020603050405020304" pitchFamily="18" charset="0"/>
+              </a:rPr>
+              <a:t>ethernet cable</a:t>
+            </a:r>
+            <a:r>
+              <a:rPr lang="en-US" b="0" i="0" dirty="0">
+                <a:solidFill>
+                  <a:srgbClr val="333333"/>
+                </a:solidFill>
+                <a:effectLst/>
+                <a:latin typeface="Times New Roman" panose="02020603050405020304" pitchFamily="18" charset="0"/>
+                <a:cs typeface="Times New Roman" panose="02020603050405020304" pitchFamily="18" charset="0"/>
+              </a:rPr>
+              <a:t> and a connection to an Internet-connected network. (Optional, but </a:t>
+            </a:r>
+            <a:r>
+              <a:rPr lang="en-US" b="0" i="1" dirty="0">
+                <a:solidFill>
+                  <a:srgbClr val="333333"/>
+                </a:solidFill>
+                <a:effectLst/>
+                <a:latin typeface="Times New Roman" panose="02020603050405020304" pitchFamily="18" charset="0"/>
+                <a:cs typeface="Times New Roman" panose="02020603050405020304" pitchFamily="18" charset="0"/>
+              </a:rPr>
+              <a:t>very</a:t>
+            </a:r>
+            <a:r>
+              <a:rPr lang="en-US" b="0" i="0" dirty="0">
+                <a:solidFill>
+                  <a:srgbClr val="333333"/>
+                </a:solidFill>
+                <a:effectLst/>
+                <a:latin typeface="Times New Roman" panose="02020603050405020304" pitchFamily="18" charset="0"/>
+                <a:cs typeface="Times New Roman" panose="02020603050405020304" pitchFamily="18" charset="0"/>
+              </a:rPr>
+              <a:t> useful to get software updates [and Doom].)</a:t>
+            </a:r>
+          </a:p>
+          <a:p>
+            <a:pPr marL="742950" lvl="1" indent="-285750" algn="l">
+              <a:buFont typeface="Arial" panose="020B0604020202020204" pitchFamily="34" charset="0"/>
+              <a:buChar char="•"/>
+            </a:pPr>
+            <a:r>
+              <a:rPr lang="en-US" b="0" i="0" dirty="0">
+                <a:solidFill>
+                  <a:srgbClr val="333333"/>
+                </a:solidFill>
+                <a:effectLst/>
+                <a:latin typeface="Times New Roman" panose="02020603050405020304" pitchFamily="18" charset="0"/>
+                <a:cs typeface="Times New Roman" panose="02020603050405020304" pitchFamily="18" charset="0"/>
+              </a:rPr>
+              <a:t>Alternatively, you can use a </a:t>
+            </a:r>
+            <a:r>
+              <a:rPr lang="en-US" b="1" i="0" dirty="0">
+                <a:solidFill>
+                  <a:srgbClr val="333333"/>
+                </a:solidFill>
+                <a:effectLst/>
+                <a:latin typeface="Times New Roman" panose="02020603050405020304" pitchFamily="18" charset="0"/>
+                <a:cs typeface="Times New Roman" panose="02020603050405020304" pitchFamily="18" charset="0"/>
+              </a:rPr>
+              <a:t>USB </a:t>
+            </a:r>
+            <a:r>
+              <a:rPr lang="en-US" b="1" i="0" dirty="0" err="1">
+                <a:solidFill>
+                  <a:srgbClr val="333333"/>
+                </a:solidFill>
+                <a:effectLst/>
+                <a:latin typeface="Times New Roman" panose="02020603050405020304" pitchFamily="18" charset="0"/>
+                <a:cs typeface="Times New Roman" panose="02020603050405020304" pitchFamily="18" charset="0"/>
+              </a:rPr>
+              <a:t>WiFi</a:t>
+            </a:r>
+            <a:r>
+              <a:rPr lang="en-US" b="1" i="0" dirty="0">
+                <a:solidFill>
+                  <a:srgbClr val="333333"/>
+                </a:solidFill>
+                <a:effectLst/>
+                <a:latin typeface="Times New Roman" panose="02020603050405020304" pitchFamily="18" charset="0"/>
+                <a:cs typeface="Times New Roman" panose="02020603050405020304" pitchFamily="18" charset="0"/>
+              </a:rPr>
+              <a:t> module</a:t>
+            </a:r>
+            <a:r>
+              <a:rPr lang="en-US" b="0" i="0" dirty="0">
+                <a:solidFill>
+                  <a:srgbClr val="333333"/>
+                </a:solidFill>
+                <a:effectLst/>
+                <a:latin typeface="Times New Roman" panose="02020603050405020304" pitchFamily="18" charset="0"/>
+                <a:cs typeface="Times New Roman" panose="02020603050405020304" pitchFamily="18" charset="0"/>
+              </a:rPr>
+              <a:t> with the Pi. Check out our </a:t>
+            </a:r>
+            <a:r>
+              <a:rPr lang="en-US" b="0" i="0" u="none" strike="noStrike" dirty="0">
+                <a:solidFill>
+                  <a:srgbClr val="E0311D"/>
+                </a:solidFill>
+                <a:effectLst/>
+                <a:latin typeface="Times New Roman" panose="02020603050405020304" pitchFamily="18" charset="0"/>
+                <a:cs typeface="Times New Roman" panose="02020603050405020304" pitchFamily="18" charset="0"/>
+                <a:hlinkClick r:id="rId11"/>
+              </a:rPr>
+              <a:t>Wireless on the Pi</a:t>
+            </a:r>
+            <a:r>
+              <a:rPr lang="en-US" b="0" i="0" dirty="0">
+                <a:solidFill>
+                  <a:srgbClr val="333333"/>
+                </a:solidFill>
+                <a:effectLst/>
+                <a:latin typeface="Times New Roman" panose="02020603050405020304" pitchFamily="18" charset="0"/>
+                <a:cs typeface="Times New Roman" panose="02020603050405020304" pitchFamily="18" charset="0"/>
+              </a:rPr>
+              <a:t> tutorial for help setting that up.</a:t>
+            </a:r>
+          </a:p>
+          <a:p>
+            <a:pPr algn="l">
+              <a:buFont typeface="Arial" panose="020B0604020202020204" pitchFamily="34" charset="0"/>
+              <a:buChar char="•"/>
+            </a:pPr>
+            <a:r>
+              <a:rPr lang="en-US" b="1" i="0" dirty="0">
+                <a:solidFill>
+                  <a:srgbClr val="333333"/>
+                </a:solidFill>
+                <a:effectLst/>
+                <a:latin typeface="Times New Roman" panose="02020603050405020304" pitchFamily="18" charset="0"/>
+                <a:cs typeface="Times New Roman" panose="02020603050405020304" pitchFamily="18" charset="0"/>
+              </a:rPr>
+              <a:t>Headphones</a:t>
+            </a:r>
+            <a:r>
+              <a:rPr lang="en-US" b="0" i="0" dirty="0">
+                <a:solidFill>
+                  <a:srgbClr val="333333"/>
+                </a:solidFill>
+                <a:effectLst/>
+                <a:latin typeface="Times New Roman" panose="02020603050405020304" pitchFamily="18" charset="0"/>
+                <a:cs typeface="Times New Roman" panose="02020603050405020304" pitchFamily="18" charset="0"/>
+              </a:rPr>
+              <a:t> or </a:t>
+            </a:r>
+            <a:r>
+              <a:rPr lang="en-US" b="1" i="0" dirty="0">
+                <a:solidFill>
+                  <a:srgbClr val="333333"/>
+                </a:solidFill>
+                <a:effectLst/>
+                <a:latin typeface="Times New Roman" panose="02020603050405020304" pitchFamily="18" charset="0"/>
+                <a:cs typeface="Times New Roman" panose="02020603050405020304" pitchFamily="18" charset="0"/>
+              </a:rPr>
+              <a:t>speakers</a:t>
+            </a:r>
+            <a:r>
+              <a:rPr lang="en-US" b="0" i="0" dirty="0">
+                <a:solidFill>
+                  <a:srgbClr val="333333"/>
+                </a:solidFill>
+                <a:effectLst/>
+                <a:latin typeface="Times New Roman" panose="02020603050405020304" pitchFamily="18" charset="0"/>
+                <a:cs typeface="Times New Roman" panose="02020603050405020304" pitchFamily="18" charset="0"/>
+              </a:rPr>
+              <a:t> with a 3.5mm stereo jack termination (optional, unless, for some reason, you don't want to hear the dying wails of </a:t>
+            </a:r>
+            <a:r>
+              <a:rPr lang="en-US" b="0" i="0" u="none" strike="noStrike" dirty="0">
+                <a:solidFill>
+                  <a:srgbClr val="E0311D"/>
+                </a:solidFill>
+                <a:effectLst/>
+                <a:latin typeface="Times New Roman" panose="02020603050405020304" pitchFamily="18" charset="0"/>
+                <a:cs typeface="Times New Roman" panose="02020603050405020304" pitchFamily="18" charset="0"/>
+                <a:hlinkClick r:id="rId12"/>
+              </a:rPr>
+              <a:t>former humans</a:t>
+            </a:r>
+            <a:r>
+              <a:rPr lang="en-US" b="0" i="0" dirty="0">
+                <a:solidFill>
+                  <a:srgbClr val="333333"/>
+                </a:solidFill>
+                <a:effectLst/>
+                <a:latin typeface="Times New Roman" panose="02020603050405020304" pitchFamily="18" charset="0"/>
+                <a:cs typeface="Times New Roman" panose="02020603050405020304" pitchFamily="18" charset="0"/>
+              </a:rPr>
+              <a:t>).</a:t>
+            </a:r>
+          </a:p>
+        </p:txBody>
+      </p:sp>
+      <p:sp>
+        <p:nvSpPr>
+          <p:cNvPr id="4" name="Slide Number Placeholder 3">
+            <a:extLst>
+              <a:ext uri="{FF2B5EF4-FFF2-40B4-BE49-F238E27FC236}">
+                <a16:creationId xmlns:a16="http://schemas.microsoft.com/office/drawing/2014/main" id="{A885EE2F-92DA-4790-A19B-4F920CE013C9}"/>
+              </a:ext>
+            </a:extLst>
+          </p:cNvPr>
+          <p:cNvSpPr>
+            <a:spLocks noGrp="1"/>
+          </p:cNvSpPr>
+          <p:nvPr>
+            <p:ph type="sldNum" sz="quarter" idx="12"/>
+          </p:nvPr>
+        </p:nvSpPr>
+        <p:spPr/>
+        <p:txBody>
+          <a:bodyPr/>
+          <a:lstStyle/>
+          <a:p>
+            <a:fld id="{5316306D-225D-467A-91F3-5242B413A4AD}" type="slidenum">
+              <a:rPr lang="en-US" smtClean="0"/>
+              <a:pPr/>
+              <a:t>8</a:t>
+            </a:fld>
+            <a:endParaRPr lang="en-US" dirty="0">
+              <a:latin typeface="Times New Roman" panose="02020603050405020304" pitchFamily="18" charset="0"/>
+              <a:cs typeface="Times New Roman" panose="02020603050405020304" pitchFamily="18" charset="0"/>
+            </a:endParaRPr>
+          </a:p>
+        </p:txBody>
+      </p:sp>
+    </p:spTree>
+    <p:extLst>
+      <p:ext uri="{BB962C8B-B14F-4D97-AF65-F5344CB8AC3E}">
+        <p14:creationId xmlns:p14="http://schemas.microsoft.com/office/powerpoint/2010/main" val="3064364806"/>
+      </p:ext>
+    </p:extLst>
+  </p:cSld>
+  <p:clrMapOvr>
+    <a:masterClrMapping/>
+  </p:clrMapOvr>
+</p:sld>
+</file>
+
+<file path=ppt/slides/slide9.xml><?xml version="1.0" encoding="utf-8"?>
+<p:sld xmlns:a="http://schemas.openxmlformats.org/drawingml/2006/main" xmlns:r="http://schemas.openxmlformats.org/officeDocument/2006/relationships" xmlns:p="http://schemas.openxmlformats.org/presentationml/2006/main">
+  <p:cSld>
+    <p:spTree>
+      <p:nvGrpSpPr>
+        <p:cNvPr id="1" name=""/>
+        <p:cNvGrpSpPr/>
+        <p:nvPr/>
+      </p:nvGrpSpPr>
+      <p:grpSpPr>
+        <a:xfrm>
+          <a:off x="0" y="0"/>
+          <a:ext cx="0" cy="0"/>
+          <a:chOff x="0" y="0"/>
+          <a:chExt cx="0" cy="0"/>
+        </a:xfrm>
+      </p:grpSpPr>
+      <p:sp>
+        <p:nvSpPr>
+          <p:cNvPr id="2" name="Title 1">
+            <a:extLst>
+              <a:ext uri="{FF2B5EF4-FFF2-40B4-BE49-F238E27FC236}">
+                <a16:creationId xmlns:a16="http://schemas.microsoft.com/office/drawing/2014/main" id="{10CA121A-8704-4A7B-89C6-525353CBDB11}"/>
+              </a:ext>
+            </a:extLst>
+          </p:cNvPr>
+          <p:cNvSpPr>
+            <a:spLocks noGrp="1"/>
+          </p:cNvSpPr>
+          <p:nvPr>
+            <p:ph type="title"/>
+          </p:nvPr>
+        </p:nvSpPr>
+        <p:spPr/>
+        <p:txBody>
+          <a:bodyPr/>
+          <a:lstStyle/>
+          <a:p>
+            <a:r>
+              <a:rPr lang="en-US" dirty="0">
+                <a:latin typeface="Times New Roman" panose="02020603050405020304" pitchFamily="18" charset="0"/>
+                <a:cs typeface="Times New Roman" panose="02020603050405020304" pitchFamily="18" charset="0"/>
+              </a:rPr>
+              <a:t>Prepare an SD Card</a:t>
+            </a:r>
+          </a:p>
+        </p:txBody>
+      </p:sp>
+      <p:sp>
+        <p:nvSpPr>
+          <p:cNvPr id="3" name="Content Placeholder 2">
+            <a:extLst>
+              <a:ext uri="{FF2B5EF4-FFF2-40B4-BE49-F238E27FC236}">
+                <a16:creationId xmlns:a16="http://schemas.microsoft.com/office/drawing/2014/main" id="{C29CBB85-30F9-4640-B1A4-186AB1E073D6}"/>
+              </a:ext>
+            </a:extLst>
+          </p:cNvPr>
+          <p:cNvSpPr>
+            <a:spLocks noGrp="1"/>
+          </p:cNvSpPr>
+          <p:nvPr>
+            <p:ph idx="1"/>
+          </p:nvPr>
+        </p:nvSpPr>
+        <p:spPr/>
+        <p:txBody>
+          <a:bodyPr/>
+          <a:lstStyle/>
+          <a:p>
+            <a:pPr algn="just"/>
+            <a:r>
+              <a:rPr lang="en-US" dirty="0">
+                <a:latin typeface="Times New Roman" panose="02020603050405020304" pitchFamily="18" charset="0"/>
+                <a:cs typeface="Times New Roman" panose="02020603050405020304" pitchFamily="18" charset="0"/>
+              </a:rPr>
+              <a:t>Before you can start installing Raspbian, you'll have to get the installer set up on an SD card. Follow the steps below to prepare your SD card by formatting it, and then installing the NOOBS software.</a:t>
+            </a:r>
+          </a:p>
+          <a:p>
+            <a:pPr algn="just"/>
+            <a:endParaRPr lang="en-US" dirty="0">
+              <a:latin typeface="Times New Roman" panose="02020603050405020304" pitchFamily="18" charset="0"/>
+              <a:cs typeface="Times New Roman" panose="02020603050405020304" pitchFamily="18" charset="0"/>
+            </a:endParaRPr>
+          </a:p>
+          <a:p>
+            <a:pPr algn="just"/>
+            <a:r>
+              <a:rPr lang="en-US" dirty="0">
+                <a:latin typeface="Times New Roman" panose="02020603050405020304" pitchFamily="18" charset="0"/>
+                <a:cs typeface="Times New Roman" panose="02020603050405020304" pitchFamily="18" charset="0"/>
+              </a:rPr>
+              <a:t>Windows</a:t>
+            </a:r>
+          </a:p>
+          <a:p>
+            <a:pPr algn="just"/>
+            <a:r>
+              <a:rPr lang="en-US" dirty="0">
+                <a:latin typeface="Times New Roman" panose="02020603050405020304" pitchFamily="18" charset="0"/>
+                <a:cs typeface="Times New Roman" panose="02020603050405020304" pitchFamily="18" charset="0"/>
+              </a:rPr>
+              <a:t>Mac OS X</a:t>
+            </a:r>
+          </a:p>
+        </p:txBody>
+      </p:sp>
+      <p:sp>
+        <p:nvSpPr>
+          <p:cNvPr id="4" name="Slide Number Placeholder 3">
+            <a:extLst>
+              <a:ext uri="{FF2B5EF4-FFF2-40B4-BE49-F238E27FC236}">
+                <a16:creationId xmlns:a16="http://schemas.microsoft.com/office/drawing/2014/main" id="{109E5762-A25D-4332-9EC8-48FB469E32D2}"/>
+              </a:ext>
+            </a:extLst>
+          </p:cNvPr>
+          <p:cNvSpPr>
+            <a:spLocks noGrp="1"/>
+          </p:cNvSpPr>
+          <p:nvPr>
+            <p:ph type="sldNum" sz="quarter" idx="12"/>
+          </p:nvPr>
+        </p:nvSpPr>
+        <p:spPr/>
+        <p:txBody>
+          <a:bodyPr/>
+          <a:lstStyle/>
+          <a:p>
+            <a:fld id="{5316306D-225D-467A-91F3-5242B413A4AD}" type="slidenum">
+              <a:rPr lang="en-US" smtClean="0"/>
+              <a:pPr/>
+              <a:t>9</a:t>
+            </a:fld>
+            <a:endParaRPr lang="en-US" dirty="0">
+              <a:latin typeface="Times New Roman" panose="02020603050405020304" pitchFamily="18" charset="0"/>
+              <a:cs typeface="Times New Roman" panose="02020603050405020304" pitchFamily="18" charset="0"/>
+            </a:endParaRPr>
+          </a:p>
+        </p:txBody>
+      </p:sp>
+    </p:spTree>
+    <p:extLst>
+      <p:ext uri="{BB962C8B-B14F-4D97-AF65-F5344CB8AC3E}">
+        <p14:creationId xmlns:p14="http://schemas.microsoft.com/office/powerpoint/2010/main" val="3215785922"/>
       </p:ext>
     </p:extLst>
   </p:cSld>
@@ -4122,4 +7923,299 @@
     </a:ext>
   </a:extLst>
 </a:theme>
+</file>
+
+<file path=ppt/theme/theme2.xml><?xml version="1.0" encoding="utf-8"?>
+<a:theme xmlns:a="http://schemas.openxmlformats.org/drawingml/2006/main" name="Office Theme">
+  <a:themeElements>
+    <a:clrScheme name="Office">
+      <a:dk1>
+        <a:sysClr val="windowText" lastClr="000000"/>
+      </a:dk1>
+      <a:lt1>
+        <a:sysClr val="window" lastClr="FFFFFF"/>
+      </a:lt1>
+      <a:dk2>
+        <a:srgbClr val="44546A"/>
+      </a:dk2>
+      <a:lt2>
+        <a:srgbClr val="E7E6E6"/>
+      </a:lt2>
+      <a:accent1>
+        <a:srgbClr val="4472C4"/>
+      </a:accent1>
+      <a:accent2>
+        <a:srgbClr val="ED7D31"/>
+      </a:accent2>
+      <a:accent3>
+        <a:srgbClr val="A5A5A5"/>
+      </a:accent3>
+      <a:accent4>
+        <a:srgbClr val="FFC000"/>
+      </a:accent4>
+      <a:accent5>
+        <a:srgbClr val="5B9BD5"/>
+      </a:accent5>
+      <a:accent6>
+        <a:srgbClr val="70AD47"/>
+      </a:accent6>
+      <a:hlink>
+        <a:srgbClr val="0563C1"/>
+      </a:hlink>
+      <a:folHlink>
+        <a:srgbClr val="954F72"/>
+      </a:folHlink>
+    </a:clrScheme>
+    <a:fontScheme name="Office">
+      <a:majorFont>
+        <a:latin typeface="Calibri Light" panose="020F0302020204030204"/>
+        <a:ea typeface=""/>
+        <a:cs typeface=""/>
+        <a:font script="Jpan" typeface="游ゴシック Light"/>
+        <a:font script="Hang" typeface="맑은 고딕"/>
+        <a:font script="Hans" typeface="等线 Light"/>
+        <a:font script="Hant" typeface="新細明體"/>
+        <a:font script="Arab" typeface="Times New Roman"/>
+        <a:font script="Hebr" typeface="Times New Roman"/>
+        <a:font script="Thai" typeface="Angsana New"/>
+        <a:font script="Ethi" typeface="Nyala"/>
+        <a:font script="Beng" typeface="Vrinda"/>
+        <a:font script="Gujr" typeface="Shruti"/>
+        <a:font script="Khmr" typeface="MoolBoran"/>
+        <a:font script="Knda" typeface="Tunga"/>
+        <a:font script="Guru" typeface="Raavi"/>
+        <a:font script="Cans" typeface="Euphemia"/>
+        <a:font script="Cher" typeface="Plantagenet Cherokee"/>
+        <a:font script="Yiii" typeface="Microsoft Yi Baiti"/>
+        <a:font script="Tibt" typeface="Microsoft Himalaya"/>
+        <a:font script="Thaa" typeface="MV Boli"/>
+        <a:font script="Deva" typeface="Mangal"/>
+        <a:font script="Telu" typeface="Gautami"/>
+        <a:font script="Taml" typeface="Latha"/>
+        <a:font script="Syrc" typeface="Estrangelo Edessa"/>
+        <a:font script="Orya" typeface="Kalinga"/>
+        <a:font script="Mlym" typeface="Kartika"/>
+        <a:font script="Laoo" typeface="DokChampa"/>
+        <a:font script="Sinh" typeface="Iskoola Pota"/>
+        <a:font script="Mong" typeface="Mongolian Baiti"/>
+        <a:font script="Viet" typeface="Times New Roman"/>
+        <a:font script="Uigh" typeface="Microsoft Uighur"/>
+        <a:font script="Geor" typeface="Sylfaen"/>
+        <a:font script="Armn" typeface="Arial"/>
+        <a:font script="Bugi" typeface="Leelawadee UI"/>
+        <a:font script="Bopo" typeface="Microsoft JhengHei"/>
+        <a:font script="Java" typeface="Javanese Text"/>
+        <a:font script="Lisu" typeface="Segoe UI"/>
+        <a:font script="Mymr" typeface="Myanmar Text"/>
+        <a:font script="Nkoo" typeface="Ebrima"/>
+        <a:font script="Olck" typeface="Nirmala UI"/>
+        <a:font script="Osma" typeface="Ebrima"/>
+        <a:font script="Phag" typeface="Phagspa"/>
+        <a:font script="Syrn" typeface="Estrangelo Edessa"/>
+        <a:font script="Syrj" typeface="Estrangelo Edessa"/>
+        <a:font script="Syre" typeface="Estrangelo Edessa"/>
+        <a:font script="Sora" typeface="Nirmala UI"/>
+        <a:font script="Tale" typeface="Microsoft Tai Le"/>
+        <a:font script="Talu" typeface="Microsoft New Tai Lue"/>
+        <a:font script="Tfng" typeface="Ebrima"/>
+      </a:majorFont>
+      <a:minorFont>
+        <a:latin typeface="Calibri" panose="020F0502020204030204"/>
+        <a:ea typeface=""/>
+        <a:cs typeface=""/>
+        <a:font script="Jpan" typeface="游ゴシック"/>
+        <a:font script="Hang" typeface="맑은 고딕"/>
+        <a:font script="Hans" typeface="等线"/>
+        <a:font script="Hant" typeface="新細明體"/>
+        <a:font script="Arab" typeface="Arial"/>
+        <a:font script="Hebr" typeface="Arial"/>
+        <a:font script="Thai" typeface="Cordia New"/>
+        <a:font script="Ethi" typeface="Nyala"/>
+        <a:font script="Beng" typeface="Vrinda"/>
+        <a:font script="Gujr" typeface="Shruti"/>
+        <a:font script="Khmr" typeface="DaunPenh"/>
+        <a:font script="Knda" typeface="Tunga"/>
+        <a:font script="Guru" typeface="Raavi"/>
+        <a:font script="Cans" typeface="Euphemia"/>
+        <a:font script="Cher" typeface="Plantagenet Cherokee"/>
+        <a:font script="Yiii" typeface="Microsoft Yi Baiti"/>
+        <a:font script="Tibt" typeface="Microsoft Himalaya"/>
+        <a:font script="Thaa" typeface="MV Boli"/>
+        <a:font script="Deva" typeface="Mangal"/>
+        <a:font script="Telu" typeface="Gautami"/>
+        <a:font script="Taml" typeface="Latha"/>
+        <a:font script="Syrc" typeface="Estrangelo Edessa"/>
+        <a:font script="Orya" typeface="Kalinga"/>
+        <a:font script="Mlym" typeface="Kartika"/>
+        <a:font script="Laoo" typeface="DokChampa"/>
+        <a:font script="Sinh" typeface="Iskoola Pota"/>
+        <a:font script="Mong" typeface="Mongolian Baiti"/>
+        <a:font script="Viet" typeface="Arial"/>
+        <a:font script="Uigh" typeface="Microsoft Uighur"/>
+        <a:font script="Geor" typeface="Sylfaen"/>
+        <a:font script="Armn" typeface="Arial"/>
+        <a:font script="Bugi" typeface="Leelawadee UI"/>
+        <a:font script="Bopo" typeface="Microsoft JhengHei"/>
+        <a:font script="Java" typeface="Javanese Text"/>
+        <a:font script="Lisu" typeface="Segoe UI"/>
+        <a:font script="Mymr" typeface="Myanmar Text"/>
+        <a:font script="Nkoo" typeface="Ebrima"/>
+        <a:font script="Olck" typeface="Nirmala UI"/>
+        <a:font script="Osma" typeface="Ebrima"/>
+        <a:font script="Phag" typeface="Phagspa"/>
+        <a:font script="Syrn" typeface="Estrangelo Edessa"/>
+        <a:font script="Syrj" typeface="Estrangelo Edessa"/>
+        <a:font script="Syre" typeface="Estrangelo Edessa"/>
+        <a:font script="Sora" typeface="Nirmala UI"/>
+        <a:font script="Tale" typeface="Microsoft Tai Le"/>
+        <a:font script="Talu" typeface="Microsoft New Tai Lue"/>
+        <a:font script="Tfng" typeface="Ebrima"/>
+      </a:minorFont>
+    </a:fontScheme>
+    <a:fmtScheme name="Office">
+      <a:fillStyleLst>
+        <a:solidFill>
+          <a:schemeClr val="phClr"/>
+        </a:solidFill>
+        <a:gradFill rotWithShape="1">
+          <a:gsLst>
+            <a:gs pos="0">
+              <a:schemeClr val="phClr">
+                <a:lumMod val="110000"/>
+                <a:satMod val="105000"/>
+                <a:tint val="67000"/>
+              </a:schemeClr>
+            </a:gs>
+            <a:gs pos="50000">
+              <a:schemeClr val="phClr">
+                <a:lumMod val="105000"/>
+                <a:satMod val="103000"/>
+                <a:tint val="73000"/>
+              </a:schemeClr>
+            </a:gs>
+            <a:gs pos="100000">
+              <a:schemeClr val="phClr">
+                <a:lumMod val="105000"/>
+                <a:satMod val="109000"/>
+                <a:tint val="81000"/>
+              </a:schemeClr>
+            </a:gs>
+          </a:gsLst>
+          <a:lin ang="5400000" scaled="0"/>
+        </a:gradFill>
+        <a:gradFill rotWithShape="1">
+          <a:gsLst>
+            <a:gs pos="0">
+              <a:schemeClr val="phClr">
+                <a:satMod val="103000"/>
+                <a:lumMod val="102000"/>
+                <a:tint val="94000"/>
+              </a:schemeClr>
+            </a:gs>
+            <a:gs pos="50000">
+              <a:schemeClr val="phClr">
+                <a:satMod val="110000"/>
+                <a:lumMod val="100000"/>
+                <a:shade val="100000"/>
+              </a:schemeClr>
+            </a:gs>
+            <a:gs pos="100000">
+              <a:schemeClr val="phClr">
+                <a:lumMod val="99000"/>
+                <a:satMod val="120000"/>
+                <a:shade val="78000"/>
+              </a:schemeClr>
+            </a:gs>
+          </a:gsLst>
+          <a:lin ang="5400000" scaled="0"/>
+        </a:gradFill>
+      </a:fillStyleLst>
+      <a:lnStyleLst>
+        <a:ln w="6350" cap="flat" cmpd="sng" algn="ctr">
+          <a:solidFill>
+            <a:schemeClr val="phClr"/>
+          </a:solidFill>
+          <a:prstDash val="solid"/>
+          <a:miter lim="800000"/>
+        </a:ln>
+        <a:ln w="12700" cap="flat" cmpd="sng" algn="ctr">
+          <a:solidFill>
+            <a:schemeClr val="phClr"/>
+          </a:solidFill>
+          <a:prstDash val="solid"/>
+          <a:miter lim="800000"/>
+        </a:ln>
+        <a:ln w="19050" cap="flat" cmpd="sng" algn="ctr">
+          <a:solidFill>
+            <a:schemeClr val="phClr"/>
+          </a:solidFill>
+          <a:prstDash val="solid"/>
+          <a:miter lim="800000"/>
+        </a:ln>
+      </a:lnStyleLst>
+      <a:effectStyleLst>
+        <a:effectStyle>
+          <a:effectLst/>
+        </a:effectStyle>
+        <a:effectStyle>
+          <a:effectLst/>
+        </a:effectStyle>
+        <a:effectStyle>
+          <a:effectLst>
+            <a:outerShdw blurRad="57150" dist="19050" dir="5400000" algn="ctr" rotWithShape="0">
+              <a:srgbClr val="000000">
+                <a:alpha val="63000"/>
+              </a:srgbClr>
+            </a:outerShdw>
+          </a:effectLst>
+        </a:effectStyle>
+      </a:effectStyleLst>
+      <a:bgFillStyleLst>
+        <a:solidFill>
+          <a:schemeClr val="phClr"/>
+        </a:solidFill>
+        <a:solidFill>
+          <a:schemeClr val="phClr">
+            <a:tint val="95000"/>
+            <a:satMod val="170000"/>
+          </a:schemeClr>
+        </a:solidFill>
+        <a:gradFill rotWithShape="1">
+          <a:gsLst>
+            <a:gs pos="0">
+              <a:schemeClr val="phClr">
+                <a:tint val="93000"/>
+                <a:satMod val="150000"/>
+                <a:shade val="98000"/>
+                <a:lumMod val="102000"/>
+              </a:schemeClr>
+            </a:gs>
+            <a:gs pos="50000">
+              <a:schemeClr val="phClr">
+                <a:tint val="98000"/>
+                <a:satMod val="130000"/>
+                <a:shade val="90000"/>
+                <a:lumMod val="103000"/>
+              </a:schemeClr>
+            </a:gs>
+            <a:gs pos="100000">
+              <a:schemeClr val="phClr">
+                <a:shade val="63000"/>
+                <a:satMod val="120000"/>
+              </a:schemeClr>
+            </a:gs>
+          </a:gsLst>
+          <a:lin ang="5400000" scaled="0"/>
+        </a:gradFill>
+      </a:bgFillStyleLst>
+    </a:fmtScheme>
+  </a:themeElements>
+  <a:objectDefaults/>
+  <a:extraClrSchemeLst/>
+  <a:extLst>
+    <a:ext uri="{05A4C25C-085E-4340-85A3-A5531E510DB2}">
+      <thm15:themeFamily xmlns:thm15="http://schemas.microsoft.com/office/thememl/2012/main" name="Office Theme" id="{62F939B6-93AF-4DB8-9C6B-D6C7DFDC589F}" vid="{4A3C46E8-61CC-4603-A589-7422A47A8E4A}"/>
+    </a:ext>
+  </a:extLst>
+</a:theme>
 </file>
--- a/4-The Raspberry Pi Platform and Python Programming for the Raspberry Pi/Week1/1_ Setup.pptx
+++ b/4-The Raspberry Pi Platform and Python Programming for the Raspberry Pi/Week1/1_ Setup.pptx
@@ -217,7 +217,7 @@
           <a:p>
             <a:fld id="{64EEEFF4-FCB2-4B35-8A62-112366FDAB73}" type="datetimeFigureOut">
               <a:rPr lang="en-US" smtClean="0"/>
-              <a:t>12/12/2020</a:t>
+              <a:t>12/13/2020</a:t>
             </a:fld>
             <a:endParaRPr lang="en-US"/>
           </a:p>
@@ -631,7 +631,7 @@
           <a:p>
             <a:fld id="{99E46098-4F02-4E9A-8CC3-2D9BC89E233D}" type="datetime1">
               <a:rPr lang="en-US" smtClean="0"/>
-              <a:t>12/12/2020</a:t>
+              <a:t>12/13/2020</a:t>
             </a:fld>
             <a:endParaRPr lang="en-US"/>
           </a:p>
@@ -829,7 +829,7 @@
           <a:p>
             <a:fld id="{66160625-B962-4BE2-ACD3-ED798001CA8D}" type="datetime1">
               <a:rPr lang="en-US" smtClean="0"/>
-              <a:t>12/12/2020</a:t>
+              <a:t>12/13/2020</a:t>
             </a:fld>
             <a:endParaRPr lang="en-US"/>
           </a:p>
@@ -1037,7 +1037,7 @@
           <a:p>
             <a:fld id="{336E061E-9EF8-4D46-A535-4155EB590976}" type="datetime1">
               <a:rPr lang="en-US" smtClean="0"/>
-              <a:t>12/12/2020</a:t>
+              <a:t>12/13/2020</a:t>
             </a:fld>
             <a:endParaRPr lang="en-US"/>
           </a:p>
@@ -1235,7 +1235,7 @@
           <a:p>
             <a:fld id="{CDB6157F-160A-48E7-B33D-7D51E920C7E4}" type="datetime1">
               <a:rPr lang="en-US" smtClean="0"/>
-              <a:t>12/12/2020</a:t>
+              <a:t>12/13/2020</a:t>
             </a:fld>
             <a:endParaRPr lang="en-US"/>
           </a:p>
@@ -1526,7 +1526,7 @@
           <a:p>
             <a:fld id="{0C42231D-3568-4058-8F21-DC778CEBE9FF}" type="datetime1">
               <a:rPr lang="en-US" smtClean="0"/>
-              <a:t>12/12/2020</a:t>
+              <a:t>12/13/2020</a:t>
             </a:fld>
             <a:endParaRPr lang="en-US"/>
           </a:p>
@@ -1791,7 +1791,7 @@
           <a:p>
             <a:fld id="{0CEC07A3-BE54-46ED-B8AB-28E990D6A4FD}" type="datetime1">
               <a:rPr lang="en-US" smtClean="0"/>
-              <a:t>12/12/2020</a:t>
+              <a:t>12/13/2020</a:t>
             </a:fld>
             <a:endParaRPr lang="en-US"/>
           </a:p>
@@ -2203,7 +2203,7 @@
           <a:p>
             <a:fld id="{ABE92364-606B-4909-89F5-538CE9509774}" type="datetime1">
               <a:rPr lang="en-US" smtClean="0"/>
-              <a:t>12/12/2020</a:t>
+              <a:t>12/13/2020</a:t>
             </a:fld>
             <a:endParaRPr lang="en-US"/>
           </a:p>
@@ -2344,7 +2344,7 @@
           <a:p>
             <a:fld id="{FD8CD9D4-951C-4C4B-ACBF-0F0336A7C953}" type="datetime1">
               <a:rPr lang="en-US" smtClean="0"/>
-              <a:t>12/12/2020</a:t>
+              <a:t>12/13/2020</a:t>
             </a:fld>
             <a:endParaRPr lang="en-US"/>
           </a:p>
@@ -2468,7 +2468,7 @@
           <a:p>
             <a:fld id="{EA765226-68FC-42CB-B02B-DC2325FE5881}" type="datetime1">
               <a:rPr lang="en-US" smtClean="0"/>
-              <a:t>12/12/2020</a:t>
+              <a:t>12/13/2020</a:t>
             </a:fld>
             <a:endParaRPr lang="en-US"/>
           </a:p>
@@ -2779,7 +2779,7 @@
           <a:p>
             <a:fld id="{4C6568C0-7177-4FCE-AB76-F4BAD45D1BB3}" type="datetime1">
               <a:rPr lang="en-US" smtClean="0"/>
-              <a:t>12/12/2020</a:t>
+              <a:t>12/13/2020</a:t>
             </a:fld>
             <a:endParaRPr lang="en-US"/>
           </a:p>
@@ -3067,7 +3067,7 @@
           <a:p>
             <a:fld id="{5CE1C34D-CB27-4C91-AC4D-C82B1740C93A}" type="datetime1">
               <a:rPr lang="en-US" smtClean="0"/>
-              <a:t>12/12/2020</a:t>
+              <a:t>12/13/2020</a:t>
             </a:fld>
             <a:endParaRPr lang="en-US"/>
           </a:p>
@@ -3308,7 +3308,7 @@
           <a:p>
             <a:fld id="{3184D8EE-FCD1-43EC-9B6F-5EEE263D533F}" type="datetime1">
               <a:rPr lang="en-US" smtClean="0"/>
-              <a:t>12/12/2020</a:t>
+              <a:t>12/13/2020</a:t>
             </a:fld>
             <a:endParaRPr lang="en-US"/>
           </a:p>
@@ -5549,10 +5549,24 @@
               </a:rPr>
               <a:t>https://learn.sparkfun.com/tutorials/setting-up-raspbian-and-doom</a:t>
             </a:r>
-            <a:r>
-              <a:rPr lang="en-US" dirty="0"/>
+            <a:endParaRPr lang="fa-IR" dirty="0"/>
+          </a:p>
+          <a:p>
+            <a:r>
+              <a:rPr lang="en-US" dirty="0">
+                <a:hlinkClick r:id="rId3"/>
+              </a:rPr>
+              <a:t>https://www.youtube.com/watch?v=y45hsd2AOpw</a:t>
+            </a:r>
+            <a:r>
+              <a:rPr lang="fa-IR"/>
               <a:t> </a:t>
             </a:r>
+            <a:r>
+              <a:rPr lang="en-US"/>
+              <a:t> </a:t>
+            </a:r>
+            <a:endParaRPr lang="en-US" dirty="0"/>
           </a:p>
         </p:txBody>
       </p:sp>
